--- a/presentations/unit3_control_flow.pptx
+++ b/presentations/unit3_control_flow.pptx
@@ -14,8 +14,9 @@
     <p:sldId id="262" r:id="rId8"/>
     <p:sldId id="265" r:id="rId9"/>
     <p:sldId id="266" r:id="rId10"/>
-    <p:sldId id="264" r:id="rId11"/>
-    <p:sldId id="263" r:id="rId12"/>
+    <p:sldId id="278" r:id="rId11"/>
+    <p:sldId id="279" r:id="rId12"/>
+    <p:sldId id="263" r:id="rId13"/>
   </p:sldIdLst>
   <p:sldSz cx="12192000" cy="6858000"/>
   <p:notesSz cx="6858000" cy="9144000"/>
@@ -217,7 +218,7 @@
           <a:effectLst/>
           <a:extLst>
             <a:ext uri="{91240B29-F687-4f45-9708-019B960494DF}">
-              <a14:hiddenLine xmlns="" xmlns:a14="http://schemas.microsoft.com/office/drawing/2010/main" w="9525">
+              <a14:hiddenLine xmlns:a14="http://schemas.microsoft.com/office/drawing/2010/main" xmlns="" w="9525">
                 <a:solidFill>
                   <a:srgbClr val="000000"/>
                 </a:solidFill>
@@ -410,7 +411,7 @@
             <a:fld id="{08B9EBBA-996F-894A-B54A-D6246ED52CEA}" type="datetimeFigureOut">
               <a:rPr lang="en-US" dirty="0"/>
               <a:pPr/>
-              <a:t>4/27/23</a:t>
+              <a:t>5/5/23</a:t>
             </a:fld>
             <a:endParaRPr lang="en-US" dirty="0"/>
           </a:p>
@@ -725,7 +726,7 @@
             <a:fld id="{18C79C5D-2A6F-F04D-97DA-BEF2467B64E4}" type="datetimeFigureOut">
               <a:rPr lang="en-US" dirty="0"/>
               <a:pPr/>
-              <a:t>4/27/23</a:t>
+              <a:t>5/5/23</a:t>
             </a:fld>
             <a:endParaRPr lang="en-US" dirty="0"/>
           </a:p>
@@ -1210,7 +1211,7 @@
             <a:fld id="{8DFA1846-DA80-1C48-A609-854EA85C59AD}" type="datetimeFigureOut">
               <a:rPr lang="en-US" dirty="0"/>
               <a:pPr/>
-              <a:t>4/27/23</a:t>
+              <a:t>5/5/23</a:t>
             </a:fld>
             <a:endParaRPr lang="en-US" dirty="0"/>
           </a:p>
@@ -1576,7 +1577,7 @@
             <a:fld id="{FBF54567-0DE4-3F47-BF90-CB84690072F9}" type="datetimeFigureOut">
               <a:rPr lang="en-US" dirty="0"/>
               <a:pPr/>
-              <a:t>4/27/23</a:t>
+              <a:t>5/5/23</a:t>
             </a:fld>
             <a:endParaRPr lang="en-US" dirty="0"/>
           </a:p>
@@ -1727,7 +1728,7 @@
           <a:ln/>
           <a:extLst>
             <a:ext uri="{91240B29-F687-4f45-9708-019B960494DF}">
-              <a14:hiddenLine xmlns="" xmlns:a14="http://schemas.microsoft.com/office/drawing/2010/main" w="9525">
+              <a14:hiddenLine xmlns:a14="http://schemas.microsoft.com/office/drawing/2010/main" xmlns="" w="9525">
                 <a:solidFill>
                   <a:srgbClr val="000000"/>
                 </a:solidFill>
@@ -1846,7 +1847,7 @@
             <a:fld id="{C6C52C72-DE31-F449-A4ED-4C594FD91407}" type="datetimeFigureOut">
               <a:rPr lang="en-US" dirty="0"/>
               <a:pPr/>
-              <a:t>4/27/23</a:t>
+              <a:t>5/5/23</a:t>
             </a:fld>
             <a:endParaRPr lang="en-US" dirty="0"/>
           </a:p>
@@ -1999,7 +2000,7 @@
           <a:ln/>
           <a:extLst>
             <a:ext uri="{91240B29-F687-4f45-9708-019B960494DF}">
-              <a14:hiddenLine xmlns="" xmlns:a14="http://schemas.microsoft.com/office/drawing/2010/main" w="9525">
+              <a14:hiddenLine xmlns:a14="http://schemas.microsoft.com/office/drawing/2010/main" xmlns="" w="9525">
                 <a:solidFill>
                   <a:srgbClr val="000000"/>
                 </a:solidFill>
@@ -2128,7 +2129,7 @@
             <a:fld id="{ED62726E-379B-B349-9EED-81ED093FA806}" type="datetimeFigureOut">
               <a:rPr lang="en-US" dirty="0"/>
               <a:pPr/>
-              <a:t>4/27/23</a:t>
+              <a:t>5/5/23</a:t>
             </a:fld>
             <a:endParaRPr lang="en-US" dirty="0"/>
           </a:p>
@@ -2279,7 +2280,7 @@
           <a:ln/>
           <a:extLst>
             <a:ext uri="{91240B29-F687-4f45-9708-019B960494DF}">
-              <a14:hiddenLine xmlns="" xmlns:a14="http://schemas.microsoft.com/office/drawing/2010/main" w="9525">
+              <a14:hiddenLine xmlns:a14="http://schemas.microsoft.com/office/drawing/2010/main" xmlns="" w="9525">
                 <a:solidFill>
                   <a:srgbClr val="000000"/>
                 </a:solidFill>
@@ -2408,7 +2409,7 @@
             <a:fld id="{9B3A1323-8D79-1946-B0D7-40001CF92E9D}" type="datetimeFigureOut">
               <a:rPr lang="en-US" dirty="0"/>
               <a:pPr/>
-              <a:t>4/27/23</a:t>
+              <a:t>5/5/23</a:t>
             </a:fld>
             <a:endParaRPr lang="en-US" dirty="0"/>
           </a:p>
@@ -2748,7 +2749,7 @@
             <a:fld id="{8DFA1846-DA80-1C48-A609-854EA85C59AD}" type="datetimeFigureOut">
               <a:rPr lang="en-US" dirty="0"/>
               <a:pPr/>
-              <a:t>4/27/23</a:t>
+              <a:t>5/5/23</a:t>
             </a:fld>
             <a:endParaRPr lang="en-US" dirty="0"/>
           </a:p>
@@ -2899,7 +2900,7 @@
           <a:ln/>
           <a:extLst>
             <a:ext uri="{91240B29-F687-4f45-9708-019B960494DF}">
-              <a14:hiddenLine xmlns="" xmlns:a14="http://schemas.microsoft.com/office/drawing/2010/main" w="9525">
+              <a14:hiddenLine xmlns:a14="http://schemas.microsoft.com/office/drawing/2010/main" xmlns="" w="9525">
                 <a:solidFill>
                   <a:srgbClr val="000000"/>
                 </a:solidFill>
@@ -3084,7 +3085,7 @@
             <a:fld id="{57302355-E14B-8545-A8F8-0FE83CC9D524}" type="datetimeFigureOut">
               <a:rPr lang="en-US" dirty="0"/>
               <a:pPr/>
-              <a:t>4/27/23</a:t>
+              <a:t>5/5/23</a:t>
             </a:fld>
             <a:endParaRPr lang="en-US" dirty="0"/>
           </a:p>
@@ -3235,7 +3236,7 @@
           <a:ln/>
           <a:extLst>
             <a:ext uri="{91240B29-F687-4f45-9708-019B960494DF}">
-              <a14:hiddenLine xmlns="" xmlns:a14="http://schemas.microsoft.com/office/drawing/2010/main" w="9525">
+              <a14:hiddenLine xmlns:a14="http://schemas.microsoft.com/office/drawing/2010/main" xmlns="" w="9525">
                 <a:solidFill>
                   <a:srgbClr val="000000"/>
                 </a:solidFill>
@@ -3558,7 +3559,7 @@
             <a:fld id="{02640F58-564D-2B4F-AE67-E407BA4FCF45}" type="datetimeFigureOut">
               <a:rPr lang="en-US" dirty="0"/>
               <a:pPr/>
-              <a:t>4/27/23</a:t>
+              <a:t>5/5/23</a:t>
             </a:fld>
             <a:endParaRPr lang="en-US" dirty="0"/>
           </a:p>
@@ -3709,7 +3710,7 @@
           <a:ln/>
           <a:extLst>
             <a:ext uri="{91240B29-F687-4f45-9708-019B960494DF}">
-              <a14:hiddenLine xmlns="" xmlns:a14="http://schemas.microsoft.com/office/drawing/2010/main" w="9525">
+              <a14:hiddenLine xmlns:a14="http://schemas.microsoft.com/office/drawing/2010/main" xmlns="" w="9525">
                 <a:solidFill>
                   <a:srgbClr val="000000"/>
                 </a:solidFill>
@@ -3776,7 +3777,7 @@
             <a:fld id="{F13A34C8-038E-2045-AF43-DF7DBB8E0E9E}" type="datetimeFigureOut">
               <a:rPr lang="en-US" dirty="0"/>
               <a:pPr/>
-              <a:t>4/27/23</a:t>
+              <a:t>5/5/23</a:t>
             </a:fld>
             <a:endParaRPr lang="en-US" dirty="0"/>
           </a:p>
@@ -3868,7 +3869,7 @@
             <a:fld id="{8818C68F-D26B-8F47-958C-23B49CF8A634}" type="datetimeFigureOut">
               <a:rPr lang="en-US" dirty="0"/>
               <a:pPr/>
-              <a:t>4/27/23</a:t>
+              <a:t>5/5/23</a:t>
             </a:fld>
             <a:endParaRPr lang="en-US" dirty="0"/>
           </a:p>
@@ -4132,7 +4133,7 @@
           <a:ln/>
           <a:extLst>
             <a:ext uri="{91240B29-F687-4f45-9708-019B960494DF}">
-              <a14:hiddenLine xmlns="" xmlns:a14="http://schemas.microsoft.com/office/drawing/2010/main" w="9525">
+              <a14:hiddenLine xmlns:a14="http://schemas.microsoft.com/office/drawing/2010/main" xmlns="" w="9525">
                 <a:solidFill>
                   <a:srgbClr val="000000"/>
                 </a:solidFill>
@@ -4332,7 +4333,7 @@
             <a:fld id="{D0DF5E60-9974-AC48-9591-99C2BB44B7CF}" type="datetimeFigureOut">
               <a:rPr lang="en-US" dirty="0"/>
               <a:pPr/>
-              <a:t>4/27/23</a:t>
+              <a:t>5/5/23</a:t>
             </a:fld>
             <a:endParaRPr lang="en-US" dirty="0"/>
           </a:p>
@@ -4642,7 +4643,7 @@
             <a:fld id="{18C79C5D-2A6F-F04D-97DA-BEF2467B64E4}" type="datetimeFigureOut">
               <a:rPr lang="en-US" dirty="0"/>
               <a:pPr/>
-              <a:t>4/27/23</a:t>
+              <a:t>5/5/23</a:t>
             </a:fld>
             <a:endParaRPr lang="en-US" dirty="0"/>
           </a:p>
@@ -4909,7 +4910,7 @@
             <a:fld id="{09B482E8-6E0E-1B4F-B1FD-C69DB9E858D9}" type="datetimeFigureOut">
               <a:rPr lang="en-US" dirty="0"/>
               <a:pPr/>
-              <a:t>4/27/23</a:t>
+              <a:t>5/5/23</a:t>
             </a:fld>
             <a:endParaRPr lang="en-US" dirty="0"/>
           </a:p>
@@ -5455,7 +5456,7 @@
           <p:cNvPr id="2" name="Titel 1">
             <a:extLst>
               <a:ext uri="{FF2B5EF4-FFF2-40B4-BE49-F238E27FC236}">
-                <a16:creationId xmlns:a16="http://schemas.microsoft.com/office/drawing/2014/main" id="{76EF61BF-1B68-0794-762E-5BFBA1BDB503}"/>
+                <a16:creationId xmlns:a16="http://schemas.microsoft.com/office/drawing/2014/main" id="{1DEAC9B8-43F1-8546-6B3D-66A6A29BD4D5}"/>
               </a:ext>
             </a:extLst>
           </p:cNvPr>
@@ -5484,7 +5485,1570 @@
           <p:cNvPr id="3" name="Inhaltsplatzhalter 2">
             <a:extLst>
               <a:ext uri="{FF2B5EF4-FFF2-40B4-BE49-F238E27FC236}">
-                <a16:creationId xmlns:a16="http://schemas.microsoft.com/office/drawing/2014/main" id="{5D3C6F8D-DF17-A424-2FA4-B30A45C80978}"/>
+                <a16:creationId xmlns:a16="http://schemas.microsoft.com/office/drawing/2014/main" id="{362A7AAA-E6CB-E0F0-5A70-8F2CE2D8CBD9}"/>
+              </a:ext>
+            </a:extLst>
+          </p:cNvPr>
+          <p:cNvSpPr>
+            <a:spLocks noGrp="1"/>
+          </p:cNvSpPr>
+          <p:nvPr>
+            <p:ph idx="1"/>
+          </p:nvPr>
+        </p:nvSpPr>
+        <p:spPr>
+          <a:xfrm>
+            <a:off x="818712" y="2166867"/>
+            <a:ext cx="10554574" cy="3636511"/>
+          </a:xfrm>
+        </p:spPr>
+        <p:txBody>
+          <a:bodyPr>
+            <a:normAutofit lnSpcReduction="10000"/>
+          </a:bodyPr>
+          <a:lstStyle/>
+          <a:p>
+            <a:pPr>
+              <a:buFont typeface="+mj-lt"/>
+              <a:buAutoNum type="arabicPeriod"/>
+            </a:pPr>
+            <a:r>
+              <a:rPr lang="de-DE" b="0" dirty="0">
+                <a:solidFill>
+                  <a:srgbClr val="D4D4D4"/>
+                </a:solidFill>
+                <a:effectLst/>
+              </a:rPr>
+              <a:t>Create a </a:t>
+            </a:r>
+            <a:r>
+              <a:rPr lang="de-DE" b="0" dirty="0" err="1">
+                <a:solidFill>
+                  <a:srgbClr val="D4D4D4"/>
+                </a:solidFill>
+                <a:effectLst/>
+              </a:rPr>
+              <a:t>list</a:t>
+            </a:r>
+            <a:r>
+              <a:rPr lang="de-DE" b="0" dirty="0">
+                <a:solidFill>
+                  <a:srgbClr val="D4D4D4"/>
+                </a:solidFill>
+                <a:effectLst/>
+              </a:rPr>
+              <a:t> </a:t>
+            </a:r>
+            <a:r>
+              <a:rPr lang="de-DE" b="0" dirty="0" err="1">
+                <a:solidFill>
+                  <a:srgbClr val="D4D4D4"/>
+                </a:solidFill>
+                <a:effectLst/>
+              </a:rPr>
+              <a:t>with</a:t>
+            </a:r>
+            <a:r>
+              <a:rPr lang="de-DE" b="0" dirty="0">
+                <a:solidFill>
+                  <a:srgbClr val="D4D4D4"/>
+                </a:solidFill>
+                <a:effectLst/>
+              </a:rPr>
+              <a:t> at least 5 </a:t>
+            </a:r>
+            <a:r>
+              <a:rPr lang="de-DE" b="0" dirty="0" err="1">
+                <a:solidFill>
+                  <a:srgbClr val="D4D4D4"/>
+                </a:solidFill>
+                <a:effectLst/>
+              </a:rPr>
+              <a:t>strings</a:t>
+            </a:r>
+            <a:r>
+              <a:rPr lang="de-DE" b="0" dirty="0">
+                <a:solidFill>
+                  <a:srgbClr val="D4D4D4"/>
+                </a:solidFill>
+                <a:effectLst/>
+              </a:rPr>
+              <a:t>. </a:t>
+            </a:r>
+            <a:r>
+              <a:rPr lang="de-DE" b="0" dirty="0" err="1">
+                <a:solidFill>
+                  <a:srgbClr val="D4D4D4"/>
+                </a:solidFill>
+                <a:effectLst/>
+              </a:rPr>
+              <a:t>Iterate</a:t>
+            </a:r>
+            <a:r>
+              <a:rPr lang="de-DE" b="0" dirty="0">
+                <a:solidFill>
+                  <a:srgbClr val="D4D4D4"/>
+                </a:solidFill>
+                <a:effectLst/>
+              </a:rPr>
+              <a:t> </a:t>
+            </a:r>
+            <a:r>
+              <a:rPr lang="de-DE" b="0" dirty="0" err="1">
+                <a:solidFill>
+                  <a:srgbClr val="D4D4D4"/>
+                </a:solidFill>
+                <a:effectLst/>
+              </a:rPr>
+              <a:t>over</a:t>
+            </a:r>
+            <a:r>
+              <a:rPr lang="de-DE" b="0" dirty="0">
+                <a:solidFill>
+                  <a:srgbClr val="D4D4D4"/>
+                </a:solidFill>
+                <a:effectLst/>
+              </a:rPr>
+              <a:t> </a:t>
+            </a:r>
+            <a:r>
+              <a:rPr lang="de-DE" b="0" dirty="0" err="1">
+                <a:solidFill>
+                  <a:srgbClr val="D4D4D4"/>
+                </a:solidFill>
+                <a:effectLst/>
+              </a:rPr>
+              <a:t>the</a:t>
+            </a:r>
+            <a:r>
+              <a:rPr lang="de-DE" b="0" dirty="0">
+                <a:solidFill>
+                  <a:srgbClr val="D4D4D4"/>
+                </a:solidFill>
+                <a:effectLst/>
+              </a:rPr>
+              <a:t> </a:t>
+            </a:r>
+            <a:r>
+              <a:rPr lang="de-DE" b="0" dirty="0" err="1">
+                <a:solidFill>
+                  <a:srgbClr val="D4D4D4"/>
+                </a:solidFill>
+                <a:effectLst/>
+              </a:rPr>
+              <a:t>list</a:t>
+            </a:r>
+            <a:r>
+              <a:rPr lang="de-DE" b="0" dirty="0">
+                <a:solidFill>
+                  <a:srgbClr val="D4D4D4"/>
+                </a:solidFill>
+                <a:effectLst/>
+              </a:rPr>
+              <a:t> and </a:t>
+            </a:r>
+            <a:r>
+              <a:rPr lang="de-DE" b="0" dirty="0" err="1">
+                <a:solidFill>
+                  <a:srgbClr val="D4D4D4"/>
+                </a:solidFill>
+                <a:effectLst/>
+              </a:rPr>
+              <a:t>append</a:t>
+            </a:r>
+            <a:r>
+              <a:rPr lang="de-DE" dirty="0">
+                <a:solidFill>
+                  <a:srgbClr val="D4D4D4"/>
+                </a:solidFill>
+              </a:rPr>
+              <a:t> </a:t>
+            </a:r>
+            <a:r>
+              <a:rPr lang="de-DE" b="0" dirty="0">
+                <a:solidFill>
+                  <a:srgbClr val="D4D4D4"/>
+                </a:solidFill>
+                <a:effectLst/>
+              </a:rPr>
+              <a:t>"!" </a:t>
+            </a:r>
+            <a:r>
+              <a:rPr lang="de-DE" b="0" dirty="0" err="1">
+                <a:solidFill>
+                  <a:srgbClr val="D4D4D4"/>
+                </a:solidFill>
+                <a:effectLst/>
+              </a:rPr>
+              <a:t>to</a:t>
+            </a:r>
+            <a:r>
+              <a:rPr lang="de-DE" b="0" dirty="0">
+                <a:solidFill>
+                  <a:srgbClr val="D4D4D4"/>
+                </a:solidFill>
+                <a:effectLst/>
+              </a:rPr>
+              <a:t> </a:t>
+            </a:r>
+            <a:r>
+              <a:rPr lang="de-DE" b="0" dirty="0" err="1">
+                <a:solidFill>
+                  <a:srgbClr val="D4D4D4"/>
+                </a:solidFill>
+                <a:effectLst/>
+              </a:rPr>
+              <a:t>each</a:t>
+            </a:r>
+            <a:r>
+              <a:rPr lang="de-DE" b="0" dirty="0">
+                <a:solidFill>
+                  <a:srgbClr val="D4D4D4"/>
+                </a:solidFill>
+                <a:effectLst/>
+              </a:rPr>
+              <a:t> </a:t>
+            </a:r>
+            <a:r>
+              <a:rPr lang="de-DE" b="0" dirty="0" err="1">
+                <a:solidFill>
+                  <a:srgbClr val="D4D4D4"/>
+                </a:solidFill>
+                <a:effectLst/>
+              </a:rPr>
+              <a:t>string</a:t>
+            </a:r>
+            <a:r>
+              <a:rPr lang="de-DE" b="0" dirty="0">
+                <a:solidFill>
+                  <a:srgbClr val="D4D4D4"/>
+                </a:solidFill>
+                <a:effectLst/>
+              </a:rPr>
+              <a:t> </a:t>
+            </a:r>
+            <a:r>
+              <a:rPr lang="de-DE" b="0" dirty="0" err="1">
+                <a:solidFill>
+                  <a:srgbClr val="D4D4D4"/>
+                </a:solidFill>
+                <a:effectLst/>
+              </a:rPr>
+              <a:t>element</a:t>
+            </a:r>
+            <a:r>
+              <a:rPr lang="de-DE" b="0" dirty="0">
+                <a:solidFill>
+                  <a:srgbClr val="D4D4D4"/>
+                </a:solidFill>
+                <a:effectLst/>
+              </a:rPr>
+              <a:t>. </a:t>
+            </a:r>
+            <a:r>
+              <a:rPr lang="de-DE" b="0" dirty="0" err="1">
+                <a:solidFill>
+                  <a:srgbClr val="D4D4D4"/>
+                </a:solidFill>
+                <a:effectLst/>
+              </a:rPr>
+              <a:t>Then</a:t>
+            </a:r>
+            <a:r>
+              <a:rPr lang="de-DE" b="0" dirty="0">
+                <a:solidFill>
+                  <a:srgbClr val="D4D4D4"/>
+                </a:solidFill>
+                <a:effectLst/>
+              </a:rPr>
+              <a:t> </a:t>
+            </a:r>
+            <a:r>
+              <a:rPr lang="de-DE" b="0" dirty="0" err="1">
+                <a:solidFill>
+                  <a:srgbClr val="D4D4D4"/>
+                </a:solidFill>
+                <a:effectLst/>
+              </a:rPr>
+              <a:t>print</a:t>
+            </a:r>
+            <a:r>
+              <a:rPr lang="de-DE" b="0" dirty="0">
+                <a:solidFill>
+                  <a:srgbClr val="D4D4D4"/>
+                </a:solidFill>
+                <a:effectLst/>
+              </a:rPr>
+              <a:t> </a:t>
+            </a:r>
+            <a:r>
+              <a:rPr lang="de-DE" b="0" dirty="0" err="1">
+                <a:solidFill>
+                  <a:srgbClr val="D4D4D4"/>
+                </a:solidFill>
+                <a:effectLst/>
+              </a:rPr>
+              <a:t>the</a:t>
+            </a:r>
+            <a:r>
+              <a:rPr lang="de-DE" b="0" dirty="0">
+                <a:solidFill>
+                  <a:srgbClr val="D4D4D4"/>
+                </a:solidFill>
+                <a:effectLst/>
+              </a:rPr>
+              <a:t> </a:t>
+            </a:r>
+            <a:r>
+              <a:rPr lang="de-DE" b="0" dirty="0" err="1">
+                <a:solidFill>
+                  <a:srgbClr val="D4D4D4"/>
+                </a:solidFill>
+                <a:effectLst/>
+              </a:rPr>
+              <a:t>list</a:t>
+            </a:r>
+            <a:r>
+              <a:rPr lang="de-DE" b="0" dirty="0">
+                <a:solidFill>
+                  <a:srgbClr val="D4D4D4"/>
+                </a:solidFill>
+                <a:effectLst/>
+              </a:rPr>
+              <a:t>. </a:t>
+            </a:r>
+          </a:p>
+          <a:p>
+            <a:pPr>
+              <a:buFont typeface="+mj-lt"/>
+              <a:buAutoNum type="arabicPeriod"/>
+            </a:pPr>
+            <a:r>
+              <a:rPr lang="de-DE" b="0" dirty="0">
+                <a:solidFill>
+                  <a:srgbClr val="D4D4D4"/>
+                </a:solidFill>
+                <a:effectLst/>
+              </a:rPr>
+              <a:t>Create a </a:t>
+            </a:r>
+            <a:r>
+              <a:rPr lang="de-DE" b="0" dirty="0" err="1">
+                <a:solidFill>
+                  <a:srgbClr val="D4D4D4"/>
+                </a:solidFill>
+                <a:effectLst/>
+              </a:rPr>
+              <a:t>list</a:t>
+            </a:r>
+            <a:r>
+              <a:rPr lang="de-DE" b="0" dirty="0">
+                <a:solidFill>
+                  <a:srgbClr val="D4D4D4"/>
+                </a:solidFill>
+                <a:effectLst/>
+              </a:rPr>
+              <a:t> </a:t>
+            </a:r>
+            <a:r>
+              <a:rPr lang="de-DE" b="0" dirty="0" err="1">
+                <a:solidFill>
+                  <a:srgbClr val="D4D4D4"/>
+                </a:solidFill>
+                <a:effectLst/>
+              </a:rPr>
+              <a:t>of</a:t>
+            </a:r>
+            <a:r>
+              <a:rPr lang="de-DE" b="0" dirty="0">
+                <a:solidFill>
+                  <a:srgbClr val="D4D4D4"/>
+                </a:solidFill>
+                <a:effectLst/>
+              </a:rPr>
+              <a:t> integer/</a:t>
+            </a:r>
+            <a:r>
+              <a:rPr lang="de-DE" b="0" dirty="0" err="1">
+                <a:solidFill>
+                  <a:srgbClr val="D4D4D4"/>
+                </a:solidFill>
+                <a:effectLst/>
+              </a:rPr>
+              <a:t>float</a:t>
+            </a:r>
+            <a:r>
+              <a:rPr lang="de-DE" b="0" dirty="0">
+                <a:solidFill>
+                  <a:srgbClr val="D4D4D4"/>
+                </a:solidFill>
+                <a:effectLst/>
+              </a:rPr>
+              <a:t> </a:t>
+            </a:r>
+            <a:r>
+              <a:rPr lang="de-DE" b="0" dirty="0" err="1">
+                <a:solidFill>
+                  <a:srgbClr val="D4D4D4"/>
+                </a:solidFill>
+                <a:effectLst/>
+              </a:rPr>
+              <a:t>values</a:t>
+            </a:r>
+            <a:r>
+              <a:rPr lang="de-DE" b="0" dirty="0">
+                <a:solidFill>
+                  <a:srgbClr val="D4D4D4"/>
+                </a:solidFill>
+                <a:effectLst/>
+              </a:rPr>
+              <a:t>. </a:t>
+            </a:r>
+            <a:r>
+              <a:rPr lang="de-DE" b="0" dirty="0" err="1">
+                <a:solidFill>
+                  <a:srgbClr val="D4D4D4"/>
+                </a:solidFill>
+                <a:effectLst/>
+              </a:rPr>
+              <a:t>Calculate</a:t>
+            </a:r>
+            <a:r>
+              <a:rPr lang="de-DE" b="0" dirty="0">
+                <a:solidFill>
+                  <a:srgbClr val="D4D4D4"/>
+                </a:solidFill>
+                <a:effectLst/>
+              </a:rPr>
+              <a:t> </a:t>
+            </a:r>
+            <a:r>
+              <a:rPr lang="de-DE" b="0" dirty="0" err="1">
+                <a:solidFill>
+                  <a:srgbClr val="D4D4D4"/>
+                </a:solidFill>
+                <a:effectLst/>
+              </a:rPr>
+              <a:t>the</a:t>
+            </a:r>
+            <a:r>
+              <a:rPr lang="de-DE" b="0" dirty="0">
+                <a:solidFill>
+                  <a:srgbClr val="D4D4D4"/>
+                </a:solidFill>
+                <a:effectLst/>
+              </a:rPr>
+              <a:t> </a:t>
+            </a:r>
+            <a:r>
+              <a:rPr lang="de-DE" b="0" dirty="0" err="1">
+                <a:solidFill>
+                  <a:srgbClr val="D4D4D4"/>
+                </a:solidFill>
+                <a:effectLst/>
+              </a:rPr>
+              <a:t>mean</a:t>
+            </a:r>
+            <a:r>
+              <a:rPr lang="de-DE" b="0" dirty="0">
+                <a:solidFill>
+                  <a:srgbClr val="D4D4D4"/>
+                </a:solidFill>
+                <a:effectLst/>
+              </a:rPr>
+              <a:t> </a:t>
+            </a:r>
+            <a:r>
+              <a:rPr lang="de-DE" b="0" dirty="0" err="1">
+                <a:solidFill>
+                  <a:srgbClr val="D4D4D4"/>
+                </a:solidFill>
+                <a:effectLst/>
+              </a:rPr>
+              <a:t>value</a:t>
+            </a:r>
+            <a:r>
+              <a:rPr lang="de-DE" b="0" dirty="0">
+                <a:solidFill>
+                  <a:srgbClr val="D4D4D4"/>
+                </a:solidFill>
+                <a:effectLst/>
+              </a:rPr>
+              <a:t> </a:t>
+            </a:r>
+            <a:r>
+              <a:rPr lang="de-DE" b="0" dirty="0" err="1">
+                <a:solidFill>
+                  <a:srgbClr val="D4D4D4"/>
+                </a:solidFill>
+                <a:effectLst/>
+              </a:rPr>
+              <a:t>of</a:t>
+            </a:r>
+            <a:r>
+              <a:rPr lang="de-DE" b="0" dirty="0">
+                <a:solidFill>
+                  <a:srgbClr val="D4D4D4"/>
+                </a:solidFill>
+                <a:effectLst/>
+              </a:rPr>
+              <a:t> </a:t>
+            </a:r>
+            <a:r>
+              <a:rPr lang="de-DE" b="0" dirty="0" err="1">
+                <a:solidFill>
+                  <a:srgbClr val="D4D4D4"/>
+                </a:solidFill>
+                <a:effectLst/>
+              </a:rPr>
+              <a:t>the</a:t>
+            </a:r>
+            <a:r>
+              <a:rPr lang="de-DE" b="0" dirty="0">
+                <a:solidFill>
+                  <a:srgbClr val="D4D4D4"/>
+                </a:solidFill>
+                <a:effectLst/>
+              </a:rPr>
+              <a:t> </a:t>
+            </a:r>
+            <a:r>
+              <a:rPr lang="de-DE" b="0" dirty="0" err="1">
+                <a:solidFill>
+                  <a:srgbClr val="D4D4D4"/>
+                </a:solidFill>
+                <a:effectLst/>
+              </a:rPr>
+              <a:t>elements</a:t>
+            </a:r>
+            <a:r>
+              <a:rPr lang="de-DE" b="0" dirty="0">
+                <a:solidFill>
+                  <a:srgbClr val="D4D4D4"/>
+                </a:solidFill>
+                <a:effectLst/>
+              </a:rPr>
+              <a:t> in </a:t>
+            </a:r>
+            <a:r>
+              <a:rPr lang="de-DE" b="0" dirty="0" err="1">
+                <a:solidFill>
+                  <a:srgbClr val="D4D4D4"/>
+                </a:solidFill>
+                <a:effectLst/>
+              </a:rPr>
+              <a:t>the</a:t>
+            </a:r>
+            <a:r>
+              <a:rPr lang="de-DE" b="0" dirty="0">
+                <a:solidFill>
+                  <a:srgbClr val="D4D4D4"/>
+                </a:solidFill>
+                <a:effectLst/>
+              </a:rPr>
+              <a:t> </a:t>
+            </a:r>
+            <a:r>
+              <a:rPr lang="de-DE" b="0" dirty="0" err="1">
+                <a:solidFill>
+                  <a:srgbClr val="D4D4D4"/>
+                </a:solidFill>
+                <a:effectLst/>
+              </a:rPr>
+              <a:t>list</a:t>
+            </a:r>
+            <a:r>
+              <a:rPr lang="de-DE" b="0" dirty="0">
+                <a:solidFill>
+                  <a:srgbClr val="D4D4D4"/>
+                </a:solidFill>
+                <a:effectLst/>
+              </a:rPr>
+              <a:t> and </a:t>
+            </a:r>
+            <a:r>
+              <a:rPr lang="de-DE" b="0" dirty="0" err="1">
+                <a:solidFill>
+                  <a:srgbClr val="D4D4D4"/>
+                </a:solidFill>
+                <a:effectLst/>
+              </a:rPr>
+              <a:t>output</a:t>
+            </a:r>
+            <a:r>
+              <a:rPr lang="de-DE" b="0" dirty="0">
+                <a:solidFill>
+                  <a:srgbClr val="D4D4D4"/>
+                </a:solidFill>
+                <a:effectLst/>
+              </a:rPr>
+              <a:t> it. Caste </a:t>
+            </a:r>
+            <a:r>
+              <a:rPr lang="de-DE" b="0" dirty="0" err="1">
+                <a:solidFill>
+                  <a:srgbClr val="D4D4D4"/>
+                </a:solidFill>
+                <a:effectLst/>
+              </a:rPr>
+              <a:t>the</a:t>
+            </a:r>
+            <a:r>
+              <a:rPr lang="de-DE" b="0" dirty="0">
+                <a:solidFill>
+                  <a:srgbClr val="D4D4D4"/>
+                </a:solidFill>
+                <a:effectLst/>
+              </a:rPr>
+              <a:t> </a:t>
+            </a:r>
+            <a:r>
+              <a:rPr lang="de-DE" b="0" dirty="0" err="1">
+                <a:solidFill>
+                  <a:srgbClr val="D4D4D4"/>
+                </a:solidFill>
+                <a:effectLst/>
+              </a:rPr>
+              <a:t>mean</a:t>
+            </a:r>
+            <a:r>
+              <a:rPr lang="de-DE" b="0" dirty="0">
+                <a:solidFill>
+                  <a:srgbClr val="D4D4D4"/>
+                </a:solidFill>
+                <a:effectLst/>
+              </a:rPr>
+              <a:t> </a:t>
+            </a:r>
+            <a:r>
+              <a:rPr lang="de-DE" b="0" dirty="0" err="1">
+                <a:solidFill>
+                  <a:srgbClr val="D4D4D4"/>
+                </a:solidFill>
+                <a:effectLst/>
+              </a:rPr>
+              <a:t>to</a:t>
+            </a:r>
+            <a:r>
+              <a:rPr lang="de-DE" b="0" dirty="0">
+                <a:solidFill>
+                  <a:srgbClr val="D4D4D4"/>
+                </a:solidFill>
+                <a:effectLst/>
+              </a:rPr>
+              <a:t> an integer and check </a:t>
+            </a:r>
+            <a:r>
+              <a:rPr lang="de-DE" b="0" dirty="0" err="1">
+                <a:solidFill>
+                  <a:srgbClr val="D4D4D4"/>
+                </a:solidFill>
+                <a:effectLst/>
+              </a:rPr>
+              <a:t>if</a:t>
+            </a:r>
+            <a:r>
+              <a:rPr lang="de-DE" b="0" dirty="0">
+                <a:solidFill>
+                  <a:srgbClr val="D4D4D4"/>
+                </a:solidFill>
+                <a:effectLst/>
+              </a:rPr>
+              <a:t> </a:t>
+            </a:r>
+            <a:r>
+              <a:rPr lang="de-DE" b="0" dirty="0" err="1">
+                <a:solidFill>
+                  <a:srgbClr val="D4D4D4"/>
+                </a:solidFill>
+                <a:effectLst/>
+              </a:rPr>
+              <a:t>the</a:t>
+            </a:r>
+            <a:r>
+              <a:rPr lang="de-DE" b="0" dirty="0">
+                <a:solidFill>
+                  <a:srgbClr val="D4D4D4"/>
+                </a:solidFill>
+                <a:effectLst/>
+              </a:rPr>
+              <a:t> </a:t>
+            </a:r>
+            <a:r>
+              <a:rPr lang="de-DE" b="0" dirty="0" err="1">
+                <a:solidFill>
+                  <a:srgbClr val="D4D4D4"/>
+                </a:solidFill>
+                <a:effectLst/>
+              </a:rPr>
+              <a:t>resulting</a:t>
+            </a:r>
+            <a:r>
+              <a:rPr lang="de-DE" b="0" dirty="0">
+                <a:solidFill>
+                  <a:srgbClr val="D4D4D4"/>
+                </a:solidFill>
+                <a:effectLst/>
+              </a:rPr>
+              <a:t> </a:t>
+            </a:r>
+            <a:r>
+              <a:rPr lang="de-DE" b="0" dirty="0" err="1">
+                <a:solidFill>
+                  <a:srgbClr val="D4D4D4"/>
+                </a:solidFill>
+                <a:effectLst/>
+              </a:rPr>
+              <a:t>value</a:t>
+            </a:r>
+            <a:r>
+              <a:rPr lang="de-DE" b="0" dirty="0">
+                <a:solidFill>
+                  <a:srgbClr val="D4D4D4"/>
+                </a:solidFill>
+                <a:effectLst/>
+              </a:rPr>
+              <a:t> </a:t>
+            </a:r>
+            <a:r>
+              <a:rPr lang="de-DE" b="0" dirty="0" err="1">
+                <a:solidFill>
+                  <a:srgbClr val="D4D4D4"/>
+                </a:solidFill>
+                <a:effectLst/>
+              </a:rPr>
+              <a:t>is</a:t>
+            </a:r>
+            <a:r>
+              <a:rPr lang="de-DE" b="0" dirty="0">
+                <a:solidFill>
+                  <a:srgbClr val="D4D4D4"/>
+                </a:solidFill>
+                <a:effectLst/>
+              </a:rPr>
+              <a:t> </a:t>
+            </a:r>
+            <a:r>
+              <a:rPr lang="de-DE" b="0" dirty="0" err="1">
+                <a:solidFill>
+                  <a:srgbClr val="D4D4D4"/>
+                </a:solidFill>
+                <a:effectLst/>
+              </a:rPr>
+              <a:t>even</a:t>
+            </a:r>
+            <a:r>
+              <a:rPr lang="de-DE" b="0" dirty="0">
+                <a:solidFill>
+                  <a:srgbClr val="D4D4D4"/>
+                </a:solidFill>
+                <a:effectLst/>
+              </a:rPr>
+              <a:t> </a:t>
+            </a:r>
+            <a:r>
+              <a:rPr lang="de-DE" b="0" dirty="0" err="1">
+                <a:solidFill>
+                  <a:srgbClr val="D4D4D4"/>
+                </a:solidFill>
+                <a:effectLst/>
+              </a:rPr>
+              <a:t>or</a:t>
+            </a:r>
+            <a:r>
+              <a:rPr lang="de-DE" b="0" dirty="0">
+                <a:solidFill>
+                  <a:srgbClr val="D4D4D4"/>
+                </a:solidFill>
+                <a:effectLst/>
+              </a:rPr>
+              <a:t> </a:t>
+            </a:r>
+            <a:r>
+              <a:rPr lang="de-DE" b="0" dirty="0" err="1">
+                <a:solidFill>
+                  <a:srgbClr val="D4D4D4"/>
+                </a:solidFill>
+                <a:effectLst/>
+              </a:rPr>
+              <a:t>odd</a:t>
+            </a:r>
+            <a:r>
+              <a:rPr lang="de-DE" b="0" dirty="0">
+                <a:solidFill>
+                  <a:srgbClr val="D4D4D4"/>
+                </a:solidFill>
+                <a:effectLst/>
+              </a:rPr>
+              <a:t>. </a:t>
+            </a:r>
+          </a:p>
+          <a:p>
+            <a:pPr>
+              <a:buFont typeface="+mj-lt"/>
+              <a:buAutoNum type="arabicPeriod"/>
+            </a:pPr>
+            <a:r>
+              <a:rPr lang="de-DE" b="0" dirty="0">
+                <a:solidFill>
+                  <a:srgbClr val="D4D4D4"/>
+                </a:solidFill>
+                <a:effectLst/>
+              </a:rPr>
+              <a:t>Use </a:t>
+            </a:r>
+            <a:r>
+              <a:rPr lang="de-DE" b="0" dirty="0" err="1">
+                <a:solidFill>
+                  <a:srgbClr val="D4D4D4"/>
+                </a:solidFill>
+                <a:effectLst/>
+              </a:rPr>
+              <a:t>the</a:t>
+            </a:r>
+            <a:r>
+              <a:rPr lang="de-DE" b="0" dirty="0">
+                <a:solidFill>
+                  <a:srgbClr val="D4D4D4"/>
+                </a:solidFill>
+                <a:effectLst/>
+              </a:rPr>
+              <a:t> "match" </a:t>
+            </a:r>
+            <a:r>
+              <a:rPr lang="de-DE" b="0" dirty="0" err="1">
+                <a:solidFill>
+                  <a:srgbClr val="D4D4D4"/>
+                </a:solidFill>
+                <a:effectLst/>
+              </a:rPr>
+              <a:t>statement</a:t>
+            </a:r>
+            <a:r>
+              <a:rPr lang="de-DE" b="0" dirty="0">
+                <a:solidFill>
+                  <a:srgbClr val="D4D4D4"/>
+                </a:solidFill>
+                <a:effectLst/>
+              </a:rPr>
+              <a:t> and </a:t>
+            </a:r>
+            <a:r>
+              <a:rPr lang="de-DE" b="0" dirty="0" err="1">
+                <a:solidFill>
+                  <a:srgbClr val="D4D4D4"/>
+                </a:solidFill>
+                <a:effectLst/>
+              </a:rPr>
+              <a:t>write</a:t>
+            </a:r>
+            <a:r>
+              <a:rPr lang="de-DE" b="0" dirty="0">
+                <a:solidFill>
+                  <a:srgbClr val="D4D4D4"/>
+                </a:solidFill>
+                <a:effectLst/>
+              </a:rPr>
+              <a:t> a </a:t>
+            </a:r>
+            <a:r>
+              <a:rPr lang="de-DE" b="0" dirty="0" err="1">
+                <a:solidFill>
+                  <a:srgbClr val="D4D4D4"/>
+                </a:solidFill>
+                <a:effectLst/>
+              </a:rPr>
+              <a:t>program</a:t>
+            </a:r>
+            <a:r>
+              <a:rPr lang="de-DE" b="0" dirty="0">
+                <a:solidFill>
+                  <a:srgbClr val="D4D4D4"/>
+                </a:solidFill>
+                <a:effectLst/>
+              </a:rPr>
+              <a:t> </a:t>
+            </a:r>
+            <a:r>
+              <a:rPr lang="de-DE" b="0" dirty="0" err="1">
+                <a:solidFill>
+                  <a:srgbClr val="D4D4D4"/>
+                </a:solidFill>
+                <a:effectLst/>
+              </a:rPr>
+              <a:t>that</a:t>
+            </a:r>
+            <a:r>
+              <a:rPr lang="de-DE" b="0" dirty="0">
+                <a:solidFill>
+                  <a:srgbClr val="D4D4D4"/>
+                </a:solidFill>
+                <a:effectLst/>
+              </a:rPr>
+              <a:t> </a:t>
+            </a:r>
+            <a:r>
+              <a:rPr lang="de-DE" b="0" dirty="0" err="1">
+                <a:solidFill>
+                  <a:srgbClr val="D4D4D4"/>
+                </a:solidFill>
+                <a:effectLst/>
+              </a:rPr>
+              <a:t>checks</a:t>
+            </a:r>
+            <a:r>
+              <a:rPr lang="de-DE" b="0" dirty="0">
+                <a:solidFill>
+                  <a:srgbClr val="D4D4D4"/>
+                </a:solidFill>
+                <a:effectLst/>
+              </a:rPr>
+              <a:t> </a:t>
+            </a:r>
+            <a:r>
+              <a:rPr lang="de-DE" b="0" dirty="0" err="1">
+                <a:solidFill>
+                  <a:srgbClr val="D4D4D4"/>
+                </a:solidFill>
+                <a:effectLst/>
+              </a:rPr>
+              <a:t>whether</a:t>
+            </a:r>
+            <a:r>
+              <a:rPr lang="de-DE" b="0" dirty="0">
+                <a:solidFill>
+                  <a:srgbClr val="D4D4D4"/>
+                </a:solidFill>
+                <a:effectLst/>
+              </a:rPr>
+              <a:t> a </a:t>
+            </a:r>
+            <a:r>
+              <a:rPr lang="de-DE" b="0" dirty="0" err="1">
+                <a:solidFill>
+                  <a:srgbClr val="D4D4D4"/>
+                </a:solidFill>
+                <a:effectLst/>
+              </a:rPr>
+              <a:t>given</a:t>
+            </a:r>
+            <a:r>
+              <a:rPr lang="de-DE" b="0" dirty="0">
+                <a:solidFill>
+                  <a:srgbClr val="D4D4D4"/>
+                </a:solidFill>
+                <a:effectLst/>
+              </a:rPr>
+              <a:t> integer </a:t>
+            </a:r>
+            <a:r>
+              <a:rPr lang="de-DE" b="0" dirty="0" err="1">
+                <a:solidFill>
+                  <a:srgbClr val="D4D4D4"/>
+                </a:solidFill>
+                <a:effectLst/>
+              </a:rPr>
+              <a:t>value</a:t>
+            </a:r>
+            <a:r>
+              <a:rPr lang="de-DE" b="0" dirty="0">
+                <a:solidFill>
+                  <a:srgbClr val="D4D4D4"/>
+                </a:solidFill>
+                <a:effectLst/>
+              </a:rPr>
+              <a:t> </a:t>
+            </a:r>
+            <a:r>
+              <a:rPr lang="de-DE" b="0" dirty="0" err="1">
+                <a:solidFill>
+                  <a:srgbClr val="D4D4D4"/>
+                </a:solidFill>
+                <a:effectLst/>
+              </a:rPr>
+              <a:t>is</a:t>
+            </a:r>
+            <a:r>
+              <a:rPr lang="de-DE" b="0" dirty="0">
+                <a:solidFill>
+                  <a:srgbClr val="D4D4D4"/>
+                </a:solidFill>
+                <a:effectLst/>
+              </a:rPr>
+              <a:t> </a:t>
+            </a:r>
+            <a:r>
+              <a:rPr lang="de-DE" b="0" dirty="0" err="1">
+                <a:solidFill>
+                  <a:srgbClr val="D4D4D4"/>
+                </a:solidFill>
+                <a:effectLst/>
+              </a:rPr>
+              <a:t>even</a:t>
+            </a:r>
+            <a:r>
+              <a:rPr lang="de-DE" b="0" dirty="0">
+                <a:solidFill>
+                  <a:srgbClr val="D4D4D4"/>
+                </a:solidFill>
+                <a:effectLst/>
+              </a:rPr>
+              <a:t> </a:t>
+            </a:r>
+            <a:r>
+              <a:rPr lang="de-DE" b="0" dirty="0" err="1">
+                <a:solidFill>
+                  <a:srgbClr val="D4D4D4"/>
+                </a:solidFill>
+                <a:effectLst/>
+              </a:rPr>
+              <a:t>or</a:t>
+            </a:r>
+            <a:r>
+              <a:rPr lang="de-DE" b="0" dirty="0">
+                <a:solidFill>
+                  <a:srgbClr val="D4D4D4"/>
+                </a:solidFill>
+                <a:effectLst/>
+              </a:rPr>
+              <a:t> </a:t>
+            </a:r>
+            <a:r>
+              <a:rPr lang="de-DE" b="0" dirty="0" err="1">
+                <a:solidFill>
+                  <a:srgbClr val="D4D4D4"/>
+                </a:solidFill>
+                <a:effectLst/>
+              </a:rPr>
+              <a:t>odd</a:t>
+            </a:r>
+            <a:r>
+              <a:rPr lang="de-DE" b="0" dirty="0">
+                <a:solidFill>
+                  <a:srgbClr val="D4D4D4"/>
+                </a:solidFill>
+                <a:effectLst/>
+              </a:rPr>
+              <a:t>. </a:t>
+            </a:r>
+            <a:r>
+              <a:rPr lang="de-DE" b="0" dirty="0" err="1">
+                <a:solidFill>
+                  <a:srgbClr val="D4D4D4"/>
+                </a:solidFill>
+                <a:effectLst/>
+              </a:rPr>
+              <a:t>Depending</a:t>
+            </a:r>
+            <a:r>
+              <a:rPr lang="de-DE" b="0" dirty="0">
+                <a:solidFill>
+                  <a:srgbClr val="D4D4D4"/>
+                </a:solidFill>
+                <a:effectLst/>
+              </a:rPr>
+              <a:t> on </a:t>
+            </a:r>
+            <a:r>
+              <a:rPr lang="de-DE" b="0" dirty="0" err="1">
+                <a:solidFill>
+                  <a:srgbClr val="D4D4D4"/>
+                </a:solidFill>
+                <a:effectLst/>
+              </a:rPr>
+              <a:t>the</a:t>
+            </a:r>
+            <a:r>
+              <a:rPr lang="de-DE" b="0" dirty="0">
+                <a:solidFill>
+                  <a:srgbClr val="D4D4D4"/>
+                </a:solidFill>
+                <a:effectLst/>
+              </a:rPr>
+              <a:t> </a:t>
+            </a:r>
+            <a:r>
+              <a:rPr lang="de-DE" b="0" dirty="0" err="1">
+                <a:solidFill>
+                  <a:srgbClr val="D4D4D4"/>
+                </a:solidFill>
+                <a:effectLst/>
+              </a:rPr>
+              <a:t>case</a:t>
+            </a:r>
+            <a:r>
+              <a:rPr lang="de-DE" b="0" dirty="0">
+                <a:solidFill>
+                  <a:srgbClr val="D4D4D4"/>
+                </a:solidFill>
+                <a:effectLst/>
+              </a:rPr>
+              <a:t>, a </a:t>
+            </a:r>
+            <a:r>
+              <a:rPr lang="de-DE" b="0" dirty="0" err="1">
+                <a:solidFill>
+                  <a:srgbClr val="D4D4D4"/>
+                </a:solidFill>
+                <a:effectLst/>
+              </a:rPr>
+              <a:t>corresponding</a:t>
+            </a:r>
+            <a:r>
+              <a:rPr lang="de-DE" b="0" dirty="0">
+                <a:solidFill>
+                  <a:srgbClr val="D4D4D4"/>
+                </a:solidFill>
+                <a:effectLst/>
+              </a:rPr>
+              <a:t> </a:t>
+            </a:r>
+            <a:r>
+              <a:rPr lang="de-DE" b="0" dirty="0" err="1">
+                <a:solidFill>
+                  <a:srgbClr val="D4D4D4"/>
+                </a:solidFill>
+                <a:effectLst/>
+              </a:rPr>
+              <a:t>string</a:t>
+            </a:r>
+            <a:r>
+              <a:rPr lang="de-DE" b="0" dirty="0">
+                <a:solidFill>
+                  <a:srgbClr val="D4D4D4"/>
+                </a:solidFill>
+                <a:effectLst/>
+              </a:rPr>
+              <a:t> </a:t>
+            </a:r>
+            <a:r>
+              <a:rPr lang="de-DE" b="0" dirty="0" err="1">
+                <a:solidFill>
+                  <a:srgbClr val="D4D4D4"/>
+                </a:solidFill>
+                <a:effectLst/>
+              </a:rPr>
+              <a:t>should</a:t>
+            </a:r>
+            <a:r>
+              <a:rPr lang="de-DE" b="0" dirty="0">
+                <a:solidFill>
+                  <a:srgbClr val="D4D4D4"/>
+                </a:solidFill>
+                <a:effectLst/>
+              </a:rPr>
+              <a:t> </a:t>
+            </a:r>
+            <a:r>
+              <a:rPr lang="de-DE" b="0" dirty="0" err="1">
+                <a:solidFill>
+                  <a:srgbClr val="D4D4D4"/>
+                </a:solidFill>
+                <a:effectLst/>
+              </a:rPr>
+              <a:t>be</a:t>
+            </a:r>
+            <a:r>
+              <a:rPr lang="de-DE" b="0" dirty="0">
+                <a:solidFill>
+                  <a:srgbClr val="D4D4D4"/>
+                </a:solidFill>
+                <a:effectLst/>
+              </a:rPr>
+              <a:t> </a:t>
+            </a:r>
+            <a:r>
+              <a:rPr lang="de-DE" b="0" dirty="0" err="1">
+                <a:solidFill>
+                  <a:srgbClr val="D4D4D4"/>
+                </a:solidFill>
+                <a:effectLst/>
+              </a:rPr>
+              <a:t>output</a:t>
+            </a:r>
+            <a:r>
+              <a:rPr lang="de-DE" b="0" dirty="0">
+                <a:solidFill>
+                  <a:srgbClr val="D4D4D4"/>
+                </a:solidFill>
+                <a:effectLst/>
+              </a:rPr>
+              <a:t>.</a:t>
+            </a:r>
+          </a:p>
+          <a:p>
+            <a:pPr>
+              <a:buFont typeface="+mj-lt"/>
+              <a:buAutoNum type="arabicPeriod"/>
+            </a:pPr>
+            <a:r>
+              <a:rPr lang="de-DE" b="0" dirty="0">
+                <a:solidFill>
+                  <a:srgbClr val="D4D4D4"/>
+                </a:solidFill>
+                <a:effectLst/>
+              </a:rPr>
+              <a:t>Write a </a:t>
+            </a:r>
+            <a:r>
+              <a:rPr lang="de-DE" b="0" dirty="0" err="1">
+                <a:solidFill>
+                  <a:srgbClr val="D4D4D4"/>
+                </a:solidFill>
+                <a:effectLst/>
+              </a:rPr>
+              <a:t>program</a:t>
+            </a:r>
+            <a:r>
+              <a:rPr lang="de-DE" b="0" dirty="0">
+                <a:solidFill>
+                  <a:srgbClr val="D4D4D4"/>
+                </a:solidFill>
+                <a:effectLst/>
+              </a:rPr>
+              <a:t> </a:t>
+            </a:r>
+            <a:r>
+              <a:rPr lang="de-DE" b="0" dirty="0" err="1">
+                <a:solidFill>
+                  <a:srgbClr val="D4D4D4"/>
+                </a:solidFill>
+                <a:effectLst/>
+              </a:rPr>
+              <a:t>which</a:t>
+            </a:r>
+            <a:r>
+              <a:rPr lang="de-DE" b="0" dirty="0">
+                <a:solidFill>
+                  <a:srgbClr val="D4D4D4"/>
+                </a:solidFill>
+                <a:effectLst/>
+              </a:rPr>
+              <a:t> </a:t>
+            </a:r>
+            <a:r>
+              <a:rPr lang="de-DE" b="0" dirty="0" err="1">
+                <a:solidFill>
+                  <a:srgbClr val="D4D4D4"/>
+                </a:solidFill>
+                <a:effectLst/>
+              </a:rPr>
+              <a:t>outputs</a:t>
+            </a:r>
+            <a:r>
+              <a:rPr lang="de-DE" b="0" dirty="0">
+                <a:solidFill>
+                  <a:srgbClr val="D4D4D4"/>
+                </a:solidFill>
+                <a:effectLst/>
+              </a:rPr>
+              <a:t> </a:t>
+            </a:r>
+            <a:r>
+              <a:rPr lang="de-DE" b="0" dirty="0" err="1">
+                <a:solidFill>
+                  <a:srgbClr val="D4D4D4"/>
+                </a:solidFill>
+                <a:effectLst/>
+              </a:rPr>
+              <a:t>the</a:t>
+            </a:r>
+            <a:r>
+              <a:rPr lang="de-DE" b="0" dirty="0">
+                <a:solidFill>
+                  <a:srgbClr val="D4D4D4"/>
+                </a:solidFill>
+                <a:effectLst/>
+              </a:rPr>
+              <a:t> </a:t>
+            </a:r>
+            <a:r>
+              <a:rPr lang="de-DE" b="0" dirty="0" err="1">
+                <a:solidFill>
+                  <a:srgbClr val="D4D4D4"/>
+                </a:solidFill>
+                <a:effectLst/>
+              </a:rPr>
+              <a:t>first</a:t>
+            </a:r>
+            <a:r>
+              <a:rPr lang="de-DE" b="0" dirty="0">
+                <a:solidFill>
+                  <a:srgbClr val="D4D4D4"/>
+                </a:solidFill>
+                <a:effectLst/>
+              </a:rPr>
+              <a:t> </a:t>
+            </a:r>
+          </a:p>
+          <a:p>
+            <a:pPr marL="0" indent="0">
+              <a:buNone/>
+            </a:pPr>
+            <a:r>
+              <a:rPr lang="de-DE" dirty="0">
+                <a:solidFill>
+                  <a:srgbClr val="D4D4D4"/>
+                </a:solidFill>
+              </a:rPr>
+              <a:t>     </a:t>
+            </a:r>
+            <a:r>
+              <a:rPr lang="de-DE" b="0" dirty="0">
+                <a:solidFill>
+                  <a:srgbClr val="D4D4D4"/>
+                </a:solidFill>
+                <a:effectLst/>
+              </a:rPr>
+              <a:t>100 prime </a:t>
+            </a:r>
+            <a:r>
+              <a:rPr lang="de-DE" b="0" dirty="0" err="1">
+                <a:solidFill>
+                  <a:srgbClr val="D4D4D4"/>
+                </a:solidFill>
+                <a:effectLst/>
+              </a:rPr>
+              <a:t>numbers</a:t>
+            </a:r>
+            <a:r>
+              <a:rPr lang="de-DE" b="0" dirty="0">
+                <a:solidFill>
+                  <a:srgbClr val="D4D4D4"/>
+                </a:solidFill>
+                <a:effectLst/>
+              </a:rPr>
+              <a:t>.</a:t>
+            </a:r>
+          </a:p>
+          <a:p>
+            <a:pPr marL="0" indent="0">
+              <a:buNone/>
+            </a:pPr>
+            <a:r>
+              <a:rPr lang="de-DE" dirty="0">
+                <a:solidFill>
+                  <a:srgbClr val="D4D4D4"/>
+                </a:solidFill>
+              </a:rPr>
+              <a:t>      </a:t>
+            </a:r>
+            <a:r>
+              <a:rPr lang="de-DE" b="0" dirty="0" err="1">
+                <a:solidFill>
+                  <a:srgbClr val="D4D4D4"/>
+                </a:solidFill>
+                <a:effectLst/>
+              </a:rPr>
+              <a:t>You</a:t>
+            </a:r>
+            <a:r>
+              <a:rPr lang="de-DE" b="0" dirty="0">
+                <a:solidFill>
+                  <a:srgbClr val="D4D4D4"/>
+                </a:solidFill>
+                <a:effectLst/>
+              </a:rPr>
+              <a:t> </a:t>
+            </a:r>
+            <a:r>
+              <a:rPr lang="de-DE" b="0" dirty="0" err="1">
+                <a:solidFill>
+                  <a:srgbClr val="D4D4D4"/>
+                </a:solidFill>
+                <a:effectLst/>
+              </a:rPr>
+              <a:t>can</a:t>
+            </a:r>
+            <a:r>
+              <a:rPr lang="de-DE" b="0" dirty="0">
+                <a:solidFill>
+                  <a:srgbClr val="D4D4D4"/>
+                </a:solidFill>
+                <a:effectLst/>
+              </a:rPr>
+              <a:t> </a:t>
+            </a:r>
+            <a:r>
+              <a:rPr lang="de-DE" b="0" dirty="0" err="1">
+                <a:solidFill>
+                  <a:srgbClr val="D4D4D4"/>
+                </a:solidFill>
+                <a:effectLst/>
+              </a:rPr>
+              <a:t>use</a:t>
+            </a:r>
+            <a:r>
+              <a:rPr lang="de-DE" b="0" dirty="0">
+                <a:solidFill>
+                  <a:srgbClr val="D4D4D4"/>
+                </a:solidFill>
+                <a:effectLst/>
+              </a:rPr>
+              <a:t> </a:t>
+            </a:r>
+            <a:r>
+              <a:rPr lang="de-DE" b="0" dirty="0" err="1">
+                <a:solidFill>
+                  <a:srgbClr val="D4D4D4"/>
+                </a:solidFill>
+                <a:effectLst/>
+              </a:rPr>
+              <a:t>the</a:t>
+            </a:r>
+            <a:r>
+              <a:rPr lang="de-DE" b="0" dirty="0">
+                <a:solidFill>
+                  <a:srgbClr val="D4D4D4"/>
+                </a:solidFill>
+                <a:effectLst/>
+              </a:rPr>
+              <a:t> </a:t>
+            </a:r>
+            <a:r>
+              <a:rPr lang="de-DE" b="0" dirty="0" err="1">
+                <a:solidFill>
+                  <a:srgbClr val="D4D4D4"/>
+                </a:solidFill>
+                <a:effectLst/>
+              </a:rPr>
+              <a:t>following</a:t>
+            </a:r>
+            <a:r>
+              <a:rPr lang="de-DE" b="0" dirty="0">
+                <a:solidFill>
+                  <a:srgbClr val="D4D4D4"/>
+                </a:solidFill>
+                <a:effectLst/>
+              </a:rPr>
+              <a:t> </a:t>
+            </a:r>
+            <a:r>
+              <a:rPr lang="de-DE" b="0" dirty="0" err="1">
+                <a:solidFill>
+                  <a:srgbClr val="D4D4D4"/>
+                </a:solidFill>
+                <a:effectLst/>
+              </a:rPr>
+              <a:t>function</a:t>
+            </a:r>
+            <a:r>
+              <a:rPr lang="de-DE" b="0" dirty="0">
+                <a:solidFill>
+                  <a:srgbClr val="D4D4D4"/>
+                </a:solidFill>
+                <a:effectLst/>
+              </a:rPr>
+              <a:t>:</a:t>
+            </a:r>
+            <a:br>
+              <a:rPr lang="de-DE" b="0" dirty="0">
+                <a:solidFill>
+                  <a:srgbClr val="D4D4D4"/>
+                </a:solidFill>
+                <a:effectLst/>
+                <a:latin typeface="Fira Code" panose="020B0809050000020004" pitchFamily="49" charset="0"/>
+              </a:rPr>
+            </a:br>
+            <a:endParaRPr lang="de-DE" dirty="0"/>
+          </a:p>
+        </p:txBody>
+      </p:sp>
+      <p:pic>
+        <p:nvPicPr>
+          <p:cNvPr id="6" name="Grafik 5">
+            <a:extLst>
+              <a:ext uri="{FF2B5EF4-FFF2-40B4-BE49-F238E27FC236}">
+                <a16:creationId xmlns:a16="http://schemas.microsoft.com/office/drawing/2014/main" id="{7A24CCA7-8DF7-ED2A-4ED8-A32C4DB5D493}"/>
+              </a:ext>
+            </a:extLst>
+          </p:cNvPr>
+          <p:cNvPicPr>
+            <a:picLocks noChangeAspect="1"/>
+          </p:cNvPicPr>
+          <p:nvPr/>
+        </p:nvPicPr>
+        <p:blipFill>
+          <a:blip r:embed="rId2"/>
+          <a:stretch>
+            <a:fillRect/>
+          </a:stretch>
+        </p:blipFill>
+        <p:spPr>
+          <a:xfrm>
+            <a:off x="6605155" y="4598026"/>
+            <a:ext cx="4353791" cy="2050473"/>
+          </a:xfrm>
+          <a:prstGeom prst="rect">
+            <a:avLst/>
+          </a:prstGeom>
+        </p:spPr>
+      </p:pic>
+    </p:spTree>
+    <p:extLst>
+      <p:ext uri="{BB962C8B-B14F-4D97-AF65-F5344CB8AC3E}">
+        <p14:creationId xmlns:p14="http://schemas.microsoft.com/office/powerpoint/2010/main" val="4163138447"/>
+      </p:ext>
+    </p:extLst>
+  </p:cSld>
+  <p:clrMapOvr>
+    <a:masterClrMapping/>
+  </p:clrMapOvr>
+</p:sld>
+</file>
+
+<file path=ppt/slides/slide11.xml><?xml version="1.0" encoding="utf-8"?>
+<p:sld xmlns:a="http://schemas.openxmlformats.org/drawingml/2006/main" xmlns:r="http://schemas.openxmlformats.org/officeDocument/2006/relationships" xmlns:p="http://schemas.openxmlformats.org/presentationml/2006/main">
+  <p:cSld>
+    <p:spTree>
+      <p:nvGrpSpPr>
+        <p:cNvPr id="1" name=""/>
+        <p:cNvGrpSpPr/>
+        <p:nvPr/>
+      </p:nvGrpSpPr>
+      <p:grpSpPr>
+        <a:xfrm>
+          <a:off x="0" y="0"/>
+          <a:ext cx="0" cy="0"/>
+          <a:chOff x="0" y="0"/>
+          <a:chExt cx="0" cy="0"/>
+        </a:xfrm>
+      </p:grpSpPr>
+      <p:sp>
+        <p:nvSpPr>
+          <p:cNvPr id="2" name="Titel 1">
+            <a:extLst>
+              <a:ext uri="{FF2B5EF4-FFF2-40B4-BE49-F238E27FC236}">
+                <a16:creationId xmlns:a16="http://schemas.microsoft.com/office/drawing/2014/main" id="{15198861-1739-2525-B3A1-FD94FF195009}"/>
+              </a:ext>
+            </a:extLst>
+          </p:cNvPr>
+          <p:cNvSpPr>
+            <a:spLocks noGrp="1"/>
+          </p:cNvSpPr>
+          <p:nvPr>
+            <p:ph type="title"/>
+          </p:nvPr>
+        </p:nvSpPr>
+        <p:spPr/>
+        <p:txBody>
+          <a:bodyPr/>
+          <a:lstStyle/>
+          <a:p>
+            <a:r>
+              <a:rPr lang="de-DE" dirty="0" err="1"/>
+              <a:t>Exercises</a:t>
+            </a:r>
+            <a:endParaRPr lang="de-DE" dirty="0"/>
+          </a:p>
+        </p:txBody>
+      </p:sp>
+      <p:sp>
+        <p:nvSpPr>
+          <p:cNvPr id="3" name="Inhaltsplatzhalter 2">
+            <a:extLst>
+              <a:ext uri="{FF2B5EF4-FFF2-40B4-BE49-F238E27FC236}">
+                <a16:creationId xmlns:a16="http://schemas.microsoft.com/office/drawing/2014/main" id="{1D2BCE09-EB91-0508-52B2-3698E67A816A}"/>
               </a:ext>
             </a:extLst>
           </p:cNvPr>
@@ -5497,36 +7061,1475 @@
         </p:nvSpPr>
         <p:spPr/>
         <p:txBody>
-          <a:bodyPr/>
+          <a:bodyPr>
+            <a:normAutofit/>
+          </a:bodyPr>
           <a:lstStyle/>
           <a:p>
-            <a:r>
-              <a:rPr lang="de-DE" dirty="0" err="1"/>
-              <a:t>to</a:t>
-            </a:r>
-            <a:r>
-              <a:rPr lang="de-DE" dirty="0"/>
-              <a:t> </a:t>
-            </a:r>
-            <a:r>
-              <a:rPr lang="de-DE" dirty="0" err="1"/>
-              <a:t>be</a:t>
-            </a:r>
-            <a:r>
-              <a:rPr lang="de-DE" dirty="0"/>
-              <a:t> </a:t>
-            </a:r>
-            <a:r>
-              <a:rPr lang="de-DE"/>
-              <a:t>continued</a:t>
-            </a:r>
+            <a:pPr>
+              <a:buFont typeface="+mj-lt"/>
+              <a:buAutoNum type="arabicPeriod"/>
+            </a:pPr>
+            <a:r>
+              <a:rPr lang="de-DE" b="0" dirty="0">
+                <a:solidFill>
+                  <a:srgbClr val="D4D4D4"/>
+                </a:solidFill>
+                <a:effectLst/>
+              </a:rPr>
+              <a:t>Write a </a:t>
+            </a:r>
+            <a:r>
+              <a:rPr lang="de-DE" b="0" dirty="0" err="1">
+                <a:solidFill>
+                  <a:srgbClr val="D4D4D4"/>
+                </a:solidFill>
+                <a:effectLst/>
+              </a:rPr>
+              <a:t>function</a:t>
+            </a:r>
+            <a:r>
+              <a:rPr lang="de-DE" b="0" dirty="0">
+                <a:solidFill>
+                  <a:srgbClr val="D4D4D4"/>
+                </a:solidFill>
+                <a:effectLst/>
+              </a:rPr>
+              <a:t> </a:t>
+            </a:r>
+            <a:r>
+              <a:rPr lang="de-DE" b="0" dirty="0" err="1">
+                <a:solidFill>
+                  <a:srgbClr val="D4D4D4"/>
+                </a:solidFill>
+                <a:effectLst/>
+              </a:rPr>
+              <a:t>which</a:t>
+            </a:r>
+            <a:r>
+              <a:rPr lang="de-DE" b="0" dirty="0">
+                <a:solidFill>
+                  <a:srgbClr val="D4D4D4"/>
+                </a:solidFill>
+                <a:effectLst/>
+              </a:rPr>
+              <a:t> </a:t>
+            </a:r>
+            <a:r>
+              <a:rPr lang="de-DE" b="0" dirty="0" err="1">
+                <a:solidFill>
+                  <a:srgbClr val="D4D4D4"/>
+                </a:solidFill>
+                <a:effectLst/>
+              </a:rPr>
+              <a:t>gets</a:t>
+            </a:r>
+            <a:r>
+              <a:rPr lang="de-DE" b="0" dirty="0">
+                <a:solidFill>
+                  <a:srgbClr val="D4D4D4"/>
+                </a:solidFill>
+                <a:effectLst/>
+              </a:rPr>
+              <a:t> a </a:t>
+            </a:r>
+            <a:r>
+              <a:rPr lang="de-DE" b="0" dirty="0" err="1">
+                <a:solidFill>
+                  <a:srgbClr val="D4D4D4"/>
+                </a:solidFill>
+                <a:effectLst/>
+              </a:rPr>
+              <a:t>string</a:t>
+            </a:r>
+            <a:r>
+              <a:rPr lang="de-DE" b="0" dirty="0">
+                <a:solidFill>
+                  <a:srgbClr val="D4D4D4"/>
+                </a:solidFill>
+                <a:effectLst/>
+              </a:rPr>
+              <a:t> </a:t>
+            </a:r>
+            <a:r>
+              <a:rPr lang="de-DE" b="0" dirty="0" err="1">
+                <a:solidFill>
+                  <a:srgbClr val="D4D4D4"/>
+                </a:solidFill>
+                <a:effectLst/>
+              </a:rPr>
+              <a:t>as</a:t>
+            </a:r>
+            <a:r>
+              <a:rPr lang="de-DE" b="0" dirty="0">
+                <a:solidFill>
+                  <a:srgbClr val="D4D4D4"/>
+                </a:solidFill>
+                <a:effectLst/>
+              </a:rPr>
+              <a:t> </a:t>
+            </a:r>
+            <a:r>
+              <a:rPr lang="de-DE" b="0" dirty="0" err="1">
+                <a:solidFill>
+                  <a:srgbClr val="D4D4D4"/>
+                </a:solidFill>
+                <a:effectLst/>
+              </a:rPr>
+              <a:t>argument</a:t>
+            </a:r>
+            <a:r>
+              <a:rPr lang="de-DE" b="0" dirty="0">
+                <a:solidFill>
+                  <a:srgbClr val="D4D4D4"/>
+                </a:solidFill>
+                <a:effectLst/>
+              </a:rPr>
+              <a:t> and </a:t>
+            </a:r>
+            <a:r>
+              <a:rPr lang="de-DE" b="0" dirty="0" err="1">
+                <a:solidFill>
+                  <a:srgbClr val="D4D4D4"/>
+                </a:solidFill>
+                <a:effectLst/>
+              </a:rPr>
+              <a:t>judges</a:t>
+            </a:r>
+            <a:r>
+              <a:rPr lang="de-DE" b="0" dirty="0">
+                <a:solidFill>
+                  <a:srgbClr val="D4D4D4"/>
+                </a:solidFill>
+                <a:effectLst/>
+              </a:rPr>
+              <a:t> </a:t>
+            </a:r>
+            <a:r>
+              <a:rPr lang="de-DE" b="0" dirty="0" err="1">
+                <a:solidFill>
+                  <a:srgbClr val="D4D4D4"/>
+                </a:solidFill>
+                <a:effectLst/>
+              </a:rPr>
+              <a:t>for</a:t>
+            </a:r>
+            <a:r>
+              <a:rPr lang="de-DE" b="0" dirty="0">
+                <a:solidFill>
+                  <a:srgbClr val="D4D4D4"/>
+                </a:solidFill>
+                <a:effectLst/>
+              </a:rPr>
+              <a:t> </a:t>
+            </a:r>
+            <a:r>
+              <a:rPr lang="de-DE" b="0" dirty="0" err="1">
+                <a:solidFill>
+                  <a:srgbClr val="D4D4D4"/>
+                </a:solidFill>
+                <a:effectLst/>
+              </a:rPr>
+              <a:t>it</a:t>
+            </a:r>
+            <a:r>
+              <a:rPr lang="de-DE" b="0" dirty="0">
+                <a:solidFill>
+                  <a:srgbClr val="D4D4D4"/>
+                </a:solidFill>
+                <a:effectLst/>
+              </a:rPr>
+              <a:t> </a:t>
+            </a:r>
+            <a:r>
+              <a:rPr lang="de-DE" b="0" dirty="0" err="1">
+                <a:solidFill>
+                  <a:srgbClr val="D4D4D4"/>
+                </a:solidFill>
+                <a:effectLst/>
+              </a:rPr>
+              <a:t>whether</a:t>
+            </a:r>
+            <a:r>
+              <a:rPr lang="de-DE" b="0" dirty="0">
+                <a:solidFill>
+                  <a:srgbClr val="D4D4D4"/>
+                </a:solidFill>
+                <a:effectLst/>
+              </a:rPr>
+              <a:t> </a:t>
+            </a:r>
+            <a:r>
+              <a:rPr lang="de-DE" b="0" dirty="0" err="1">
+                <a:solidFill>
+                  <a:srgbClr val="D4D4D4"/>
+                </a:solidFill>
+                <a:effectLst/>
+              </a:rPr>
+              <a:t>it</a:t>
+            </a:r>
+            <a:r>
+              <a:rPr lang="de-DE" b="0" dirty="0">
+                <a:solidFill>
+                  <a:srgbClr val="D4D4D4"/>
+                </a:solidFill>
+                <a:effectLst/>
+              </a:rPr>
+              <a:t> </a:t>
+            </a:r>
+            <a:r>
+              <a:rPr lang="de-DE" b="0" dirty="0" err="1">
+                <a:solidFill>
+                  <a:srgbClr val="D4D4D4"/>
+                </a:solidFill>
+                <a:effectLst/>
+              </a:rPr>
+              <a:t>is</a:t>
+            </a:r>
+            <a:r>
+              <a:rPr lang="de-DE" b="0" dirty="0">
+                <a:solidFill>
+                  <a:srgbClr val="D4D4D4"/>
+                </a:solidFill>
+                <a:effectLst/>
+              </a:rPr>
+              <a:t> a </a:t>
+            </a:r>
+            <a:r>
+              <a:rPr lang="de-DE" b="0" dirty="0" err="1">
+                <a:solidFill>
+                  <a:srgbClr val="D4D4D4"/>
+                </a:solidFill>
+                <a:effectLst/>
+              </a:rPr>
+              <a:t>palindrome</a:t>
+            </a:r>
+            <a:r>
+              <a:rPr lang="de-DE" b="0" dirty="0">
+                <a:solidFill>
+                  <a:srgbClr val="D4D4D4"/>
+                </a:solidFill>
+                <a:effectLst/>
+              </a:rPr>
+              <a:t>. e.g. </a:t>
+            </a:r>
+            <a:r>
+              <a:rPr lang="de-DE" b="0" dirty="0" err="1">
+                <a:solidFill>
+                  <a:srgbClr val="D4D4D4"/>
+                </a:solidFill>
+                <a:effectLst/>
+              </a:rPr>
+              <a:t>the</a:t>
+            </a:r>
+            <a:r>
+              <a:rPr lang="de-DE" b="0" dirty="0">
+                <a:solidFill>
+                  <a:srgbClr val="D4D4D4"/>
+                </a:solidFill>
+                <a:effectLst/>
+              </a:rPr>
+              <a:t> </a:t>
+            </a:r>
+            <a:r>
+              <a:rPr lang="de-DE" b="0" dirty="0" err="1">
+                <a:solidFill>
+                  <a:srgbClr val="D4D4D4"/>
+                </a:solidFill>
+                <a:effectLst/>
+              </a:rPr>
+              <a:t>function</a:t>
+            </a:r>
+            <a:r>
+              <a:rPr lang="de-DE" b="0" dirty="0">
+                <a:solidFill>
+                  <a:srgbClr val="D4D4D4"/>
+                </a:solidFill>
+                <a:effectLst/>
+              </a:rPr>
+              <a:t> </a:t>
+            </a:r>
+            <a:r>
+              <a:rPr lang="de-DE" b="0" dirty="0" err="1">
+                <a:solidFill>
+                  <a:srgbClr val="D4D4D4"/>
+                </a:solidFill>
+                <a:effectLst/>
+              </a:rPr>
+              <a:t>should</a:t>
+            </a:r>
+            <a:r>
+              <a:rPr lang="de-DE" b="0" dirty="0">
+                <a:solidFill>
+                  <a:srgbClr val="D4D4D4"/>
+                </a:solidFill>
+                <a:effectLst/>
+              </a:rPr>
+              <a:t> </a:t>
+            </a:r>
+            <a:r>
+              <a:rPr lang="de-DE" b="0" dirty="0" err="1">
+                <a:solidFill>
+                  <a:srgbClr val="D4D4D4"/>
+                </a:solidFill>
+                <a:effectLst/>
+              </a:rPr>
+              <a:t>return</a:t>
+            </a:r>
+            <a:r>
+              <a:rPr lang="de-DE" b="0" dirty="0">
+                <a:solidFill>
+                  <a:srgbClr val="D4D4D4"/>
+                </a:solidFill>
+                <a:effectLst/>
+              </a:rPr>
+              <a:t> True </a:t>
+            </a:r>
+            <a:r>
+              <a:rPr lang="de-DE" b="0" dirty="0" err="1">
+                <a:solidFill>
+                  <a:srgbClr val="D4D4D4"/>
+                </a:solidFill>
+                <a:effectLst/>
+              </a:rPr>
+              <a:t>for</a:t>
+            </a:r>
+            <a:r>
+              <a:rPr lang="de-DE" b="0" dirty="0">
+                <a:solidFill>
+                  <a:srgbClr val="D4D4D4"/>
+                </a:solidFill>
+                <a:effectLst/>
+              </a:rPr>
+              <a:t> "Anna" and </a:t>
+            </a:r>
+            <a:r>
+              <a:rPr lang="de-DE" b="0" dirty="0" err="1">
+                <a:solidFill>
+                  <a:srgbClr val="D4D4D4"/>
+                </a:solidFill>
+                <a:effectLst/>
+              </a:rPr>
+              <a:t>False</a:t>
+            </a:r>
+            <a:r>
+              <a:rPr lang="de-DE" b="0" dirty="0">
+                <a:solidFill>
+                  <a:srgbClr val="D4D4D4"/>
+                </a:solidFill>
+                <a:effectLst/>
+              </a:rPr>
+              <a:t> </a:t>
+            </a:r>
+            <a:r>
+              <a:rPr lang="de-DE" b="0" dirty="0" err="1">
+                <a:solidFill>
+                  <a:srgbClr val="D4D4D4"/>
+                </a:solidFill>
+                <a:effectLst/>
+              </a:rPr>
+              <a:t>for</a:t>
+            </a:r>
+            <a:r>
+              <a:rPr lang="de-DE" b="0" dirty="0">
+                <a:solidFill>
+                  <a:srgbClr val="D4D4D4"/>
+                </a:solidFill>
+                <a:effectLst/>
+              </a:rPr>
+              <a:t> "Elia".</a:t>
+            </a:r>
+          </a:p>
+          <a:p>
+            <a:pPr>
+              <a:buFont typeface="+mj-lt"/>
+              <a:buAutoNum type="arabicPeriod"/>
+            </a:pPr>
+            <a:r>
+              <a:rPr lang="de-DE" b="0" dirty="0">
+                <a:solidFill>
+                  <a:srgbClr val="D4D4D4"/>
+                </a:solidFill>
+                <a:effectLst/>
+              </a:rPr>
+              <a:t>Implement a linear </a:t>
+            </a:r>
+            <a:r>
+              <a:rPr lang="de-DE" b="0" dirty="0" err="1">
+                <a:solidFill>
+                  <a:srgbClr val="D4D4D4"/>
+                </a:solidFill>
+                <a:effectLst/>
+              </a:rPr>
+              <a:t>search</a:t>
+            </a:r>
+            <a:r>
+              <a:rPr lang="de-DE" b="0" dirty="0">
+                <a:solidFill>
+                  <a:srgbClr val="D4D4D4"/>
+                </a:solidFill>
+                <a:effectLst/>
+              </a:rPr>
+              <a:t>. In a linear </a:t>
+            </a:r>
+            <a:r>
+              <a:rPr lang="de-DE" b="0" dirty="0" err="1">
+                <a:solidFill>
+                  <a:srgbClr val="D4D4D4"/>
+                </a:solidFill>
+                <a:effectLst/>
+              </a:rPr>
+              <a:t>search</a:t>
+            </a:r>
+            <a:r>
+              <a:rPr lang="de-DE" b="0" dirty="0">
+                <a:solidFill>
+                  <a:srgbClr val="D4D4D4"/>
+                </a:solidFill>
+                <a:effectLst/>
+              </a:rPr>
+              <a:t>, an </a:t>
+            </a:r>
+            <a:r>
+              <a:rPr lang="de-DE" b="0" dirty="0" err="1">
+                <a:solidFill>
+                  <a:srgbClr val="D4D4D4"/>
+                </a:solidFill>
+                <a:effectLst/>
+              </a:rPr>
+              <a:t>array</a:t>
+            </a:r>
+            <a:r>
+              <a:rPr lang="de-DE" b="0" dirty="0">
+                <a:solidFill>
+                  <a:srgbClr val="D4D4D4"/>
+                </a:solidFill>
+                <a:effectLst/>
+              </a:rPr>
+              <a:t> </a:t>
+            </a:r>
+            <a:r>
+              <a:rPr lang="de-DE" b="0" dirty="0" err="1">
+                <a:solidFill>
+                  <a:srgbClr val="D4D4D4"/>
+                </a:solidFill>
+                <a:effectLst/>
+              </a:rPr>
+              <a:t>of</a:t>
+            </a:r>
+            <a:r>
+              <a:rPr lang="de-DE" b="0" dirty="0">
+                <a:solidFill>
+                  <a:srgbClr val="D4D4D4"/>
+                </a:solidFill>
+                <a:effectLst/>
+              </a:rPr>
+              <a:t> </a:t>
+            </a:r>
+            <a:r>
+              <a:rPr lang="de-DE" b="0" dirty="0" err="1">
+                <a:solidFill>
+                  <a:srgbClr val="D4D4D4"/>
+                </a:solidFill>
+                <a:effectLst/>
+              </a:rPr>
+              <a:t>values</a:t>
+            </a:r>
+            <a:r>
+              <a:rPr lang="de-DE" b="0" dirty="0">
+                <a:solidFill>
+                  <a:srgbClr val="D4D4D4"/>
+                </a:solidFill>
+                <a:effectLst/>
+              </a:rPr>
+              <a:t> </a:t>
+            </a:r>
+            <a:r>
+              <a:rPr lang="de-DE" b="0" dirty="0" err="1">
+                <a:solidFill>
+                  <a:srgbClr val="D4D4D4"/>
+                </a:solidFill>
+                <a:effectLst/>
+              </a:rPr>
+              <a:t>is</a:t>
+            </a:r>
+            <a:r>
+              <a:rPr lang="de-DE" b="0" dirty="0">
+                <a:solidFill>
+                  <a:srgbClr val="D4D4D4"/>
+                </a:solidFill>
+                <a:effectLst/>
+              </a:rPr>
+              <a:t> </a:t>
+            </a:r>
+            <a:r>
+              <a:rPr lang="de-DE" b="0" dirty="0" err="1">
+                <a:solidFill>
+                  <a:srgbClr val="D4D4D4"/>
+                </a:solidFill>
+                <a:effectLst/>
+              </a:rPr>
+              <a:t>searched</a:t>
+            </a:r>
+            <a:r>
+              <a:rPr lang="de-DE" b="0" dirty="0">
+                <a:solidFill>
+                  <a:srgbClr val="D4D4D4"/>
+                </a:solidFill>
+                <a:effectLst/>
+              </a:rPr>
+              <a:t> </a:t>
+            </a:r>
+            <a:r>
+              <a:rPr lang="de-DE" b="0" dirty="0" err="1">
+                <a:solidFill>
+                  <a:srgbClr val="D4D4D4"/>
+                </a:solidFill>
+                <a:effectLst/>
+              </a:rPr>
+              <a:t>for</a:t>
+            </a:r>
+            <a:r>
+              <a:rPr lang="de-DE" b="0" dirty="0">
+                <a:solidFill>
+                  <a:srgbClr val="D4D4D4"/>
+                </a:solidFill>
+                <a:effectLst/>
+              </a:rPr>
+              <a:t> a </a:t>
+            </a:r>
+            <a:r>
+              <a:rPr lang="de-DE" b="0" dirty="0" err="1">
+                <a:solidFill>
+                  <a:srgbClr val="D4D4D4"/>
+                </a:solidFill>
+                <a:effectLst/>
+              </a:rPr>
+              <a:t>specific</a:t>
+            </a:r>
+            <a:r>
+              <a:rPr lang="de-DE" b="0" dirty="0">
+                <a:solidFill>
+                  <a:srgbClr val="D4D4D4"/>
+                </a:solidFill>
+                <a:effectLst/>
+              </a:rPr>
+              <a:t> </a:t>
+            </a:r>
+            <a:r>
+              <a:rPr lang="de-DE" b="0" dirty="0" err="1">
+                <a:solidFill>
+                  <a:srgbClr val="D4D4D4"/>
+                </a:solidFill>
+                <a:effectLst/>
+              </a:rPr>
+              <a:t>value</a:t>
+            </a:r>
+            <a:r>
+              <a:rPr lang="de-DE" b="0" dirty="0">
+                <a:solidFill>
+                  <a:srgbClr val="D4D4D4"/>
+                </a:solidFill>
+                <a:effectLst/>
+              </a:rPr>
+              <a:t>. </a:t>
+            </a:r>
+            <a:r>
+              <a:rPr lang="de-DE" b="0" dirty="0" err="1">
+                <a:solidFill>
+                  <a:srgbClr val="D4D4D4"/>
+                </a:solidFill>
+                <a:effectLst/>
+              </a:rPr>
+              <a:t>When</a:t>
+            </a:r>
+            <a:r>
+              <a:rPr lang="de-DE" b="0" dirty="0">
+                <a:solidFill>
+                  <a:srgbClr val="D4D4D4"/>
+                </a:solidFill>
+                <a:effectLst/>
+              </a:rPr>
+              <a:t> </a:t>
+            </a:r>
+            <a:r>
+              <a:rPr lang="de-DE" b="0" dirty="0" err="1">
+                <a:solidFill>
+                  <a:srgbClr val="D4D4D4"/>
+                </a:solidFill>
+                <a:effectLst/>
+              </a:rPr>
+              <a:t>the</a:t>
+            </a:r>
+            <a:r>
+              <a:rPr lang="de-DE" b="0" dirty="0">
+                <a:solidFill>
+                  <a:srgbClr val="D4D4D4"/>
+                </a:solidFill>
+                <a:effectLst/>
+              </a:rPr>
+              <a:t> </a:t>
+            </a:r>
+            <a:r>
+              <a:rPr lang="de-DE" b="0" dirty="0" err="1">
+                <a:solidFill>
+                  <a:srgbClr val="D4D4D4"/>
+                </a:solidFill>
+                <a:effectLst/>
+              </a:rPr>
+              <a:t>searched</a:t>
+            </a:r>
+            <a:r>
+              <a:rPr lang="de-DE" b="0" dirty="0">
+                <a:solidFill>
+                  <a:srgbClr val="D4D4D4"/>
+                </a:solidFill>
+                <a:effectLst/>
+              </a:rPr>
+              <a:t> </a:t>
+            </a:r>
+            <a:r>
+              <a:rPr lang="de-DE" b="0" dirty="0" err="1">
+                <a:solidFill>
+                  <a:srgbClr val="D4D4D4"/>
+                </a:solidFill>
+                <a:effectLst/>
+              </a:rPr>
+              <a:t>value</a:t>
+            </a:r>
+            <a:r>
+              <a:rPr lang="de-DE" b="0" dirty="0">
+                <a:solidFill>
+                  <a:srgbClr val="D4D4D4"/>
+                </a:solidFill>
+                <a:effectLst/>
+              </a:rPr>
+              <a:t> </a:t>
+            </a:r>
+            <a:r>
+              <a:rPr lang="de-DE" b="0" dirty="0" err="1">
+                <a:solidFill>
+                  <a:srgbClr val="D4D4D4"/>
+                </a:solidFill>
+                <a:effectLst/>
+              </a:rPr>
+              <a:t>is</a:t>
+            </a:r>
+            <a:r>
+              <a:rPr lang="de-DE" b="0" dirty="0">
+                <a:solidFill>
+                  <a:srgbClr val="D4D4D4"/>
+                </a:solidFill>
+                <a:effectLst/>
+              </a:rPr>
+              <a:t> </a:t>
+            </a:r>
+            <a:r>
+              <a:rPr lang="de-DE" b="0" dirty="0" err="1">
+                <a:solidFill>
+                  <a:srgbClr val="D4D4D4"/>
+                </a:solidFill>
+                <a:effectLst/>
+              </a:rPr>
+              <a:t>found</a:t>
+            </a:r>
+            <a:r>
+              <a:rPr lang="de-DE" b="0" dirty="0">
+                <a:solidFill>
+                  <a:srgbClr val="D4D4D4"/>
+                </a:solidFill>
+                <a:effectLst/>
+              </a:rPr>
+              <a:t>, </a:t>
+            </a:r>
+            <a:r>
+              <a:rPr lang="de-DE" b="0" dirty="0" err="1">
+                <a:solidFill>
+                  <a:srgbClr val="D4D4D4"/>
+                </a:solidFill>
+                <a:effectLst/>
+              </a:rPr>
+              <a:t>return</a:t>
+            </a:r>
+            <a:r>
+              <a:rPr lang="de-DE" b="0" dirty="0">
+                <a:solidFill>
+                  <a:srgbClr val="D4D4D4"/>
+                </a:solidFill>
+                <a:effectLst/>
+              </a:rPr>
+              <a:t> </a:t>
+            </a:r>
+            <a:r>
+              <a:rPr lang="de-DE" b="0" dirty="0" err="1">
+                <a:solidFill>
+                  <a:srgbClr val="D4D4D4"/>
+                </a:solidFill>
+                <a:effectLst/>
+              </a:rPr>
+              <a:t>the</a:t>
+            </a:r>
+            <a:r>
+              <a:rPr lang="de-DE" b="0" dirty="0">
+                <a:solidFill>
+                  <a:srgbClr val="D4D4D4"/>
+                </a:solidFill>
+                <a:effectLst/>
+              </a:rPr>
+              <a:t> </a:t>
+            </a:r>
+            <a:r>
+              <a:rPr lang="de-DE" b="0" dirty="0" err="1">
+                <a:solidFill>
+                  <a:srgbClr val="D4D4D4"/>
+                </a:solidFill>
+                <a:effectLst/>
+              </a:rPr>
+              <a:t>index</a:t>
+            </a:r>
+            <a:r>
+              <a:rPr lang="de-DE" b="0" dirty="0">
+                <a:solidFill>
+                  <a:srgbClr val="D4D4D4"/>
+                </a:solidFill>
+                <a:effectLst/>
+              </a:rPr>
+              <a:t> </a:t>
+            </a:r>
+            <a:r>
+              <a:rPr lang="de-DE" b="0" dirty="0" err="1">
+                <a:solidFill>
+                  <a:srgbClr val="D4D4D4"/>
+                </a:solidFill>
+                <a:effectLst/>
+              </a:rPr>
+              <a:t>where</a:t>
+            </a:r>
+            <a:r>
+              <a:rPr lang="de-DE" b="0" dirty="0">
+                <a:solidFill>
+                  <a:srgbClr val="D4D4D4"/>
+                </a:solidFill>
+                <a:effectLst/>
+              </a:rPr>
+              <a:t> </a:t>
+            </a:r>
+            <a:r>
+              <a:rPr lang="de-DE" b="0" dirty="0" err="1">
+                <a:solidFill>
+                  <a:srgbClr val="D4D4D4"/>
+                </a:solidFill>
+                <a:effectLst/>
+              </a:rPr>
+              <a:t>the</a:t>
+            </a:r>
+            <a:r>
+              <a:rPr lang="de-DE" b="0" dirty="0">
+                <a:solidFill>
+                  <a:srgbClr val="D4D4D4"/>
+                </a:solidFill>
+                <a:effectLst/>
+              </a:rPr>
+              <a:t> </a:t>
+            </a:r>
+            <a:r>
+              <a:rPr lang="de-DE" b="0" dirty="0" err="1">
+                <a:solidFill>
+                  <a:srgbClr val="D4D4D4"/>
+                </a:solidFill>
+                <a:effectLst/>
+              </a:rPr>
+              <a:t>value</a:t>
+            </a:r>
+            <a:r>
+              <a:rPr lang="de-DE" b="0" dirty="0">
+                <a:solidFill>
+                  <a:srgbClr val="D4D4D4"/>
+                </a:solidFill>
+                <a:effectLst/>
+              </a:rPr>
+              <a:t> </a:t>
+            </a:r>
+            <a:r>
+              <a:rPr lang="de-DE" b="0" dirty="0" err="1">
+                <a:solidFill>
+                  <a:srgbClr val="D4D4D4"/>
+                </a:solidFill>
+                <a:effectLst/>
+              </a:rPr>
+              <a:t>is</a:t>
+            </a:r>
+            <a:r>
+              <a:rPr lang="de-DE" b="0" dirty="0">
+                <a:solidFill>
+                  <a:srgbClr val="D4D4D4"/>
+                </a:solidFill>
+                <a:effectLst/>
+              </a:rPr>
+              <a:t> </a:t>
+            </a:r>
+            <a:r>
+              <a:rPr lang="de-DE" b="0" dirty="0" err="1">
+                <a:solidFill>
+                  <a:srgbClr val="D4D4D4"/>
+                </a:solidFill>
+                <a:effectLst/>
+              </a:rPr>
+              <a:t>located</a:t>
+            </a:r>
+            <a:r>
+              <a:rPr lang="de-DE" b="0" dirty="0">
+                <a:solidFill>
+                  <a:srgbClr val="D4D4D4"/>
+                </a:solidFill>
+                <a:effectLst/>
+              </a:rPr>
+              <a:t>. </a:t>
+            </a:r>
+            <a:r>
+              <a:rPr lang="de-DE" b="1" dirty="0" err="1">
+                <a:solidFill>
+                  <a:schemeClr val="accent1"/>
+                </a:solidFill>
+                <a:effectLst/>
+              </a:rPr>
+              <a:t>Hint</a:t>
+            </a:r>
+            <a:r>
+              <a:rPr lang="de-DE" b="1" dirty="0">
+                <a:solidFill>
+                  <a:schemeClr val="accent1"/>
+                </a:solidFill>
+                <a:effectLst/>
+              </a:rPr>
+              <a:t>: </a:t>
+            </a:r>
+            <a:r>
+              <a:rPr lang="de-DE" b="0" dirty="0">
+                <a:solidFill>
+                  <a:srgbClr val="D4D4D4"/>
+                </a:solidFill>
+                <a:effectLst/>
+              </a:rPr>
+              <a:t>The </a:t>
+            </a:r>
+            <a:r>
+              <a:rPr lang="de-DE" b="0" dirty="0" err="1">
+                <a:solidFill>
+                  <a:srgbClr val="D4D4D4"/>
+                </a:solidFill>
+                <a:effectLst/>
+              </a:rPr>
+              <a:t>function</a:t>
+            </a:r>
+            <a:r>
+              <a:rPr lang="de-DE" b="0" dirty="0">
+                <a:solidFill>
+                  <a:srgbClr val="D4D4D4"/>
+                </a:solidFill>
+                <a:effectLst/>
+              </a:rPr>
+              <a:t> </a:t>
+            </a:r>
+            <a:r>
+              <a:rPr lang="de-DE" b="0" dirty="0" err="1">
+                <a:solidFill>
+                  <a:schemeClr val="accent1"/>
+                </a:solidFill>
+                <a:effectLst/>
+              </a:rPr>
+              <a:t>enumerate</a:t>
+            </a:r>
+            <a:r>
+              <a:rPr lang="de-DE" b="0" dirty="0">
+                <a:solidFill>
+                  <a:schemeClr val="accent1"/>
+                </a:solidFill>
+                <a:effectLst/>
+              </a:rPr>
+              <a:t>() </a:t>
+            </a:r>
+            <a:r>
+              <a:rPr lang="de-DE" b="0" dirty="0" err="1">
+                <a:solidFill>
+                  <a:srgbClr val="D4D4D4"/>
+                </a:solidFill>
+                <a:effectLst/>
+              </a:rPr>
+              <a:t>can</a:t>
+            </a:r>
+            <a:r>
+              <a:rPr lang="de-DE" b="0" dirty="0">
+                <a:solidFill>
+                  <a:srgbClr val="D4D4D4"/>
+                </a:solidFill>
+                <a:effectLst/>
+              </a:rPr>
+              <a:t> </a:t>
+            </a:r>
+            <a:r>
+              <a:rPr lang="de-DE" b="0" dirty="0" err="1">
+                <a:solidFill>
+                  <a:srgbClr val="D4D4D4"/>
+                </a:solidFill>
+                <a:effectLst/>
+              </a:rPr>
+              <a:t>help</a:t>
+            </a:r>
+            <a:r>
+              <a:rPr lang="de-DE" b="0" dirty="0">
+                <a:solidFill>
+                  <a:srgbClr val="D4D4D4"/>
+                </a:solidFill>
+                <a:effectLst/>
+              </a:rPr>
+              <a:t>, </a:t>
+            </a:r>
+            <a:r>
+              <a:rPr lang="de-DE" b="0" dirty="0" err="1">
+                <a:solidFill>
+                  <a:srgbClr val="D4D4D4"/>
+                </a:solidFill>
+                <a:effectLst/>
+              </a:rPr>
+              <a:t>what</a:t>
+            </a:r>
+            <a:r>
+              <a:rPr lang="de-DE" b="0" dirty="0">
+                <a:solidFill>
+                  <a:srgbClr val="D4D4D4"/>
+                </a:solidFill>
+                <a:effectLst/>
+              </a:rPr>
+              <a:t> </a:t>
+            </a:r>
+            <a:r>
+              <a:rPr lang="de-DE" b="0" dirty="0" err="1">
+                <a:solidFill>
+                  <a:srgbClr val="D4D4D4"/>
+                </a:solidFill>
+                <a:effectLst/>
+              </a:rPr>
+              <a:t>does</a:t>
+            </a:r>
+            <a:r>
+              <a:rPr lang="de-DE" b="0" dirty="0">
+                <a:solidFill>
+                  <a:srgbClr val="D4D4D4"/>
+                </a:solidFill>
+                <a:effectLst/>
+              </a:rPr>
+              <a:t> </a:t>
+            </a:r>
+            <a:r>
+              <a:rPr lang="de-DE" b="0" dirty="0" err="1">
+                <a:solidFill>
+                  <a:srgbClr val="D4D4D4"/>
+                </a:solidFill>
+                <a:effectLst/>
+              </a:rPr>
+              <a:t>it</a:t>
+            </a:r>
+            <a:r>
+              <a:rPr lang="de-DE" b="0" dirty="0">
+                <a:solidFill>
+                  <a:srgbClr val="D4D4D4"/>
+                </a:solidFill>
+                <a:effectLst/>
+              </a:rPr>
+              <a:t> do?</a:t>
+            </a:r>
+          </a:p>
+          <a:p>
+            <a:pPr>
+              <a:buFont typeface="+mj-lt"/>
+              <a:buAutoNum type="arabicPeriod"/>
+            </a:pPr>
+            <a:r>
+              <a:rPr lang="de-DE" b="0" dirty="0">
+                <a:solidFill>
+                  <a:srgbClr val="D4D4D4"/>
+                </a:solidFill>
+                <a:effectLst/>
+              </a:rPr>
+              <a:t>Addition - (</a:t>
+            </a:r>
+            <a:r>
+              <a:rPr lang="de-DE" b="0" dirty="0" err="1">
+                <a:solidFill>
+                  <a:srgbClr val="D4D4D4"/>
+                </a:solidFill>
+                <a:effectLst/>
+              </a:rPr>
+              <a:t>hard</a:t>
+            </a:r>
+            <a:r>
+              <a:rPr lang="de-DE" b="0" dirty="0">
+                <a:solidFill>
+                  <a:srgbClr val="D4D4D4"/>
+                </a:solidFill>
+                <a:effectLst/>
+              </a:rPr>
+              <a:t>) Research </a:t>
+            </a:r>
+            <a:r>
+              <a:rPr lang="de-DE" b="0" dirty="0" err="1">
+                <a:solidFill>
+                  <a:srgbClr val="D4D4D4"/>
+                </a:solidFill>
+                <a:effectLst/>
+              </a:rPr>
+              <a:t>how</a:t>
+            </a:r>
+            <a:r>
+              <a:rPr lang="de-DE" b="0" dirty="0">
+                <a:solidFill>
+                  <a:srgbClr val="D4D4D4"/>
+                </a:solidFill>
+                <a:effectLst/>
+              </a:rPr>
+              <a:t> </a:t>
+            </a:r>
+            <a:r>
+              <a:rPr lang="de-DE" b="0" dirty="0" err="1">
+                <a:solidFill>
+                  <a:srgbClr val="D4D4D4"/>
+                </a:solidFill>
+                <a:effectLst/>
+              </a:rPr>
+              <a:t>binary</a:t>
+            </a:r>
+            <a:r>
+              <a:rPr lang="de-DE" b="0" dirty="0">
+                <a:solidFill>
+                  <a:srgbClr val="D4D4D4"/>
+                </a:solidFill>
+                <a:effectLst/>
+              </a:rPr>
+              <a:t> </a:t>
+            </a:r>
+            <a:r>
+              <a:rPr lang="de-DE" b="0" dirty="0" err="1">
+                <a:solidFill>
+                  <a:srgbClr val="D4D4D4"/>
+                </a:solidFill>
+                <a:effectLst/>
+              </a:rPr>
+              <a:t>search</a:t>
+            </a:r>
+            <a:r>
+              <a:rPr lang="de-DE" b="0" dirty="0">
+                <a:solidFill>
+                  <a:srgbClr val="D4D4D4"/>
+                </a:solidFill>
+                <a:effectLst/>
+              </a:rPr>
+              <a:t> </a:t>
+            </a:r>
+            <a:r>
+              <a:rPr lang="de-DE" b="0" dirty="0" err="1">
+                <a:solidFill>
+                  <a:srgbClr val="D4D4D4"/>
+                </a:solidFill>
+                <a:effectLst/>
+              </a:rPr>
+              <a:t>works</a:t>
+            </a:r>
+            <a:r>
+              <a:rPr lang="de-DE" b="0" dirty="0">
+                <a:solidFill>
+                  <a:srgbClr val="D4D4D4"/>
+                </a:solidFill>
+                <a:effectLst/>
+              </a:rPr>
+              <a:t>. Implement a </a:t>
+            </a:r>
+            <a:r>
+              <a:rPr lang="de-DE" b="0" dirty="0" err="1">
+                <a:solidFill>
+                  <a:srgbClr val="D4D4D4"/>
+                </a:solidFill>
+                <a:effectLst/>
+              </a:rPr>
+              <a:t>function</a:t>
+            </a:r>
+            <a:r>
+              <a:rPr lang="de-DE" b="0" dirty="0">
+                <a:solidFill>
+                  <a:srgbClr val="D4D4D4"/>
+                </a:solidFill>
+                <a:effectLst/>
+              </a:rPr>
+              <a:t> </a:t>
+            </a:r>
+            <a:r>
+              <a:rPr lang="de-DE" b="0" dirty="0" err="1">
+                <a:solidFill>
+                  <a:srgbClr val="D4D4D4"/>
+                </a:solidFill>
+                <a:effectLst/>
+              </a:rPr>
+              <a:t>that</a:t>
+            </a:r>
+            <a:r>
+              <a:rPr lang="de-DE" b="0" dirty="0">
+                <a:solidFill>
+                  <a:srgbClr val="D4D4D4"/>
+                </a:solidFill>
+                <a:effectLst/>
+              </a:rPr>
+              <a:t> </a:t>
+            </a:r>
+            <a:r>
+              <a:rPr lang="de-DE" b="0" dirty="0" err="1">
+                <a:solidFill>
+                  <a:srgbClr val="D4D4D4"/>
+                </a:solidFill>
+                <a:effectLst/>
+              </a:rPr>
+              <a:t>searches</a:t>
+            </a:r>
+            <a:r>
+              <a:rPr lang="de-DE" b="0" dirty="0">
+                <a:solidFill>
+                  <a:srgbClr val="D4D4D4"/>
+                </a:solidFill>
+                <a:effectLst/>
+              </a:rPr>
+              <a:t> </a:t>
+            </a:r>
+            <a:r>
+              <a:rPr lang="de-DE" b="0" dirty="0" err="1">
+                <a:solidFill>
+                  <a:srgbClr val="D4D4D4"/>
+                </a:solidFill>
+                <a:effectLst/>
+              </a:rPr>
+              <a:t>the</a:t>
+            </a:r>
+            <a:r>
+              <a:rPr lang="de-DE" b="0" dirty="0">
+                <a:solidFill>
+                  <a:srgbClr val="D4D4D4"/>
+                </a:solidFill>
+                <a:effectLst/>
+              </a:rPr>
+              <a:t> </a:t>
+            </a:r>
+            <a:r>
+              <a:rPr lang="de-DE" b="0" dirty="0" err="1">
+                <a:solidFill>
+                  <a:srgbClr val="D4D4D4"/>
+                </a:solidFill>
+                <a:effectLst/>
+              </a:rPr>
+              <a:t>list</a:t>
+            </a:r>
+            <a:r>
+              <a:rPr lang="de-DE" b="0" dirty="0">
+                <a:solidFill>
+                  <a:srgbClr val="D4D4D4"/>
+                </a:solidFill>
+                <a:effectLst/>
+              </a:rPr>
+              <a:t> [2,1,5,6,3,8,9,3,2,5,6,1] and </a:t>
+            </a:r>
+            <a:r>
+              <a:rPr lang="de-DE" b="0" dirty="0" err="1">
+                <a:solidFill>
+                  <a:srgbClr val="D4D4D4"/>
+                </a:solidFill>
+                <a:effectLst/>
+              </a:rPr>
+              <a:t>returns</a:t>
+            </a:r>
+            <a:r>
+              <a:rPr lang="de-DE" b="0" dirty="0">
+                <a:solidFill>
+                  <a:srgbClr val="D4D4D4"/>
+                </a:solidFill>
+                <a:effectLst/>
+              </a:rPr>
+              <a:t> </a:t>
+            </a:r>
+            <a:r>
+              <a:rPr lang="de-DE" b="0" dirty="0" err="1">
+                <a:solidFill>
+                  <a:srgbClr val="D4D4D4"/>
+                </a:solidFill>
+                <a:effectLst/>
+              </a:rPr>
+              <a:t>the</a:t>
+            </a:r>
+            <a:r>
+              <a:rPr lang="de-DE" b="0" dirty="0">
+                <a:solidFill>
+                  <a:srgbClr val="D4D4D4"/>
+                </a:solidFill>
+                <a:effectLst/>
+              </a:rPr>
+              <a:t> </a:t>
+            </a:r>
+            <a:r>
+              <a:rPr lang="de-DE" b="0" dirty="0" err="1">
+                <a:solidFill>
+                  <a:srgbClr val="D4D4D4"/>
+                </a:solidFill>
+                <a:effectLst/>
+              </a:rPr>
+              <a:t>index</a:t>
+            </a:r>
+            <a:r>
+              <a:rPr lang="de-DE" b="0" dirty="0">
+                <a:solidFill>
+                  <a:srgbClr val="D4D4D4"/>
+                </a:solidFill>
+                <a:effectLst/>
+              </a:rPr>
+              <a:t> </a:t>
+            </a:r>
+            <a:r>
+              <a:rPr lang="de-DE" b="0" dirty="0" err="1">
+                <a:solidFill>
+                  <a:srgbClr val="D4D4D4"/>
+                </a:solidFill>
+                <a:effectLst/>
+              </a:rPr>
+              <a:t>where</a:t>
+            </a:r>
+            <a:r>
+              <a:rPr lang="de-DE" b="0" dirty="0">
+                <a:solidFill>
+                  <a:srgbClr val="D4D4D4"/>
+                </a:solidFill>
+                <a:effectLst/>
+              </a:rPr>
+              <a:t> </a:t>
+            </a:r>
+            <a:r>
+              <a:rPr lang="de-DE" b="0" dirty="0" err="1">
+                <a:solidFill>
+                  <a:srgbClr val="D4D4D4"/>
+                </a:solidFill>
+                <a:effectLst/>
+              </a:rPr>
+              <a:t>element</a:t>
+            </a:r>
+            <a:r>
+              <a:rPr lang="de-DE" b="0" dirty="0">
+                <a:solidFill>
+                  <a:srgbClr val="D4D4D4"/>
+                </a:solidFill>
+                <a:effectLst/>
+              </a:rPr>
+              <a:t> 6 </a:t>
+            </a:r>
+            <a:r>
+              <a:rPr lang="de-DE" b="0" dirty="0" err="1">
+                <a:solidFill>
+                  <a:srgbClr val="D4D4D4"/>
+                </a:solidFill>
+                <a:effectLst/>
+              </a:rPr>
+              <a:t>appears</a:t>
+            </a:r>
+            <a:r>
+              <a:rPr lang="de-DE" b="0" dirty="0">
+                <a:solidFill>
+                  <a:srgbClr val="D4D4D4"/>
+                </a:solidFill>
+                <a:effectLst/>
+              </a:rPr>
+              <a:t>. </a:t>
+            </a:r>
+            <a:r>
+              <a:rPr lang="de-DE" b="0" dirty="0" err="1">
+                <a:solidFill>
+                  <a:srgbClr val="D4D4D4"/>
+                </a:solidFill>
+                <a:effectLst/>
+              </a:rPr>
+              <a:t>What</a:t>
+            </a:r>
+            <a:r>
+              <a:rPr lang="de-DE" b="0" dirty="0">
+                <a:solidFill>
+                  <a:srgbClr val="D4D4D4"/>
+                </a:solidFill>
+                <a:effectLst/>
+              </a:rPr>
+              <a:t> </a:t>
+            </a:r>
+            <a:r>
+              <a:rPr lang="de-DE" b="0" dirty="0" err="1">
+                <a:solidFill>
+                  <a:srgbClr val="D4D4D4"/>
+                </a:solidFill>
+                <a:effectLst/>
+              </a:rPr>
+              <a:t>are</a:t>
+            </a:r>
+            <a:r>
+              <a:rPr lang="de-DE" b="0" dirty="0">
+                <a:solidFill>
+                  <a:srgbClr val="D4D4D4"/>
+                </a:solidFill>
+                <a:effectLst/>
+              </a:rPr>
+              <a:t> </a:t>
+            </a:r>
+            <a:r>
+              <a:rPr lang="de-DE" b="0" dirty="0" err="1">
+                <a:solidFill>
+                  <a:srgbClr val="D4D4D4"/>
+                </a:solidFill>
+                <a:effectLst/>
+              </a:rPr>
+              <a:t>requirements</a:t>
+            </a:r>
+            <a:r>
+              <a:rPr lang="de-DE" b="0" dirty="0">
+                <a:solidFill>
+                  <a:srgbClr val="D4D4D4"/>
+                </a:solidFill>
+                <a:effectLst/>
+              </a:rPr>
+              <a:t> </a:t>
+            </a:r>
+            <a:r>
+              <a:rPr lang="de-DE" b="0" dirty="0" err="1">
+                <a:solidFill>
+                  <a:srgbClr val="D4D4D4"/>
+                </a:solidFill>
+                <a:effectLst/>
+              </a:rPr>
+              <a:t>for</a:t>
+            </a:r>
+            <a:r>
+              <a:rPr lang="de-DE" b="0" dirty="0">
+                <a:solidFill>
+                  <a:srgbClr val="D4D4D4"/>
+                </a:solidFill>
+                <a:effectLst/>
+              </a:rPr>
+              <a:t> </a:t>
+            </a:r>
+            <a:r>
+              <a:rPr lang="de-DE" b="0" dirty="0" err="1">
+                <a:solidFill>
+                  <a:srgbClr val="D4D4D4"/>
+                </a:solidFill>
+                <a:effectLst/>
+              </a:rPr>
+              <a:t>the</a:t>
+            </a:r>
+            <a:r>
+              <a:rPr lang="de-DE" b="0" dirty="0">
+                <a:solidFill>
+                  <a:srgbClr val="D4D4D4"/>
+                </a:solidFill>
+                <a:effectLst/>
+              </a:rPr>
+              <a:t> </a:t>
+            </a:r>
+            <a:r>
+              <a:rPr lang="de-DE" b="0" dirty="0" err="1">
+                <a:solidFill>
+                  <a:srgbClr val="D4D4D4"/>
+                </a:solidFill>
+                <a:effectLst/>
+              </a:rPr>
+              <a:t>list</a:t>
+            </a:r>
+            <a:r>
+              <a:rPr lang="de-DE" b="0" dirty="0">
+                <a:solidFill>
+                  <a:srgbClr val="D4D4D4"/>
+                </a:solidFill>
+                <a:effectLst/>
+              </a:rPr>
+              <a:t> </a:t>
+            </a:r>
+            <a:r>
+              <a:rPr lang="de-DE" b="0" dirty="0" err="1">
+                <a:solidFill>
+                  <a:srgbClr val="D4D4D4"/>
+                </a:solidFill>
+                <a:effectLst/>
+              </a:rPr>
+              <a:t>before</a:t>
+            </a:r>
+            <a:r>
+              <a:rPr lang="de-DE" b="0" dirty="0">
+                <a:solidFill>
+                  <a:srgbClr val="D4D4D4"/>
+                </a:solidFill>
+                <a:effectLst/>
+              </a:rPr>
+              <a:t> </a:t>
+            </a:r>
+            <a:r>
+              <a:rPr lang="de-DE" b="0" dirty="0" err="1">
+                <a:solidFill>
+                  <a:srgbClr val="D4D4D4"/>
+                </a:solidFill>
+                <a:effectLst/>
+              </a:rPr>
+              <a:t>starting</a:t>
+            </a:r>
+            <a:r>
+              <a:rPr lang="de-DE" b="0" dirty="0">
+                <a:solidFill>
+                  <a:srgbClr val="D4D4D4"/>
+                </a:solidFill>
+                <a:effectLst/>
+              </a:rPr>
+              <a:t> </a:t>
+            </a:r>
+            <a:r>
+              <a:rPr lang="de-DE" b="0" dirty="0" err="1">
+                <a:solidFill>
+                  <a:srgbClr val="D4D4D4"/>
+                </a:solidFill>
+                <a:effectLst/>
+              </a:rPr>
+              <a:t>the</a:t>
+            </a:r>
+            <a:r>
+              <a:rPr lang="de-DE" b="0" dirty="0">
+                <a:solidFill>
+                  <a:srgbClr val="D4D4D4"/>
+                </a:solidFill>
+                <a:effectLst/>
+              </a:rPr>
+              <a:t> </a:t>
+            </a:r>
+            <a:r>
+              <a:rPr lang="de-DE" b="0" dirty="0" err="1">
+                <a:solidFill>
+                  <a:srgbClr val="D4D4D4"/>
+                </a:solidFill>
+                <a:effectLst/>
+              </a:rPr>
+              <a:t>search</a:t>
+            </a:r>
+            <a:r>
+              <a:rPr lang="de-DE" b="0" dirty="0">
+                <a:solidFill>
+                  <a:srgbClr val="D4D4D4"/>
+                </a:solidFill>
+                <a:effectLst/>
+              </a:rPr>
+              <a:t>?</a:t>
+            </a:r>
+            <a:endParaRPr lang="de-DE" dirty="0"/>
           </a:p>
         </p:txBody>
       </p:sp>
     </p:spTree>
     <p:extLst>
       <p:ext uri="{BB962C8B-B14F-4D97-AF65-F5344CB8AC3E}">
-        <p14:creationId xmlns:p14="http://schemas.microsoft.com/office/powerpoint/2010/main" val="3429341942"/>
+        <p14:creationId xmlns:p14="http://schemas.microsoft.com/office/powerpoint/2010/main" val="855467173"/>
       </p:ext>
     </p:extLst>
   </p:cSld>
@@ -5536,7 +8539,7 @@
 </p:sld>
 </file>
 
-<file path=ppt/slides/slide11.xml><?xml version="1.0" encoding="utf-8"?>
+<file path=ppt/slides/slide12.xml><?xml version="1.0" encoding="utf-8"?>
 <p:sld xmlns:a="http://schemas.openxmlformats.org/drawingml/2006/main" xmlns:r="http://schemas.openxmlformats.org/officeDocument/2006/relationships" xmlns:p="http://schemas.openxmlformats.org/presentationml/2006/main">
   <p:cSld>
     <p:spTree>
@@ -5699,7 +8702,35 @@
           <a:bodyPr/>
           <a:lstStyle/>
           <a:p>
-            <a:endParaRPr lang="de-DE"/>
+            <a:pPr lvl="1"/>
+            <a:r>
+              <a:rPr lang="de-DE" dirty="0"/>
+              <a:t>Anna: </a:t>
+            </a:r>
+            <a:r>
+              <a:rPr lang="de-DE" dirty="0">
+                <a:hlinkClick r:id="rId2"/>
+              </a:rPr>
+              <a:t>anna-maria.bothin@mailbox.tu-dresden.de</a:t>
+            </a:r>
+            <a:endParaRPr lang="de-DE" dirty="0"/>
+          </a:p>
+          <a:p>
+            <a:pPr lvl="1"/>
+            <a:r>
+              <a:rPr lang="de-DE" dirty="0"/>
+              <a:t>Elia: </a:t>
+            </a:r>
+            <a:r>
+              <a:rPr lang="de-DE" dirty="0">
+                <a:hlinkClick r:id="rId3"/>
+              </a:rPr>
+              <a:t>elia.ruehle@mailbox.tu-dresden.de</a:t>
+            </a:r>
+            <a:endParaRPr lang="de-DE" dirty="0"/>
+          </a:p>
+          <a:p>
+            <a:endParaRPr lang="de-DE" dirty="0"/>
           </a:p>
         </p:txBody>
       </p:sp>
